--- a/Presentación proyecto modulo 1.pptx
+++ b/Presentación proyecto modulo 1.pptx
@@ -7,6 +7,8 @@
   <p:sldIdLst>
     <p:sldId id="256" r:id="rId2"/>
     <p:sldId id="257" r:id="rId3"/>
+    <p:sldId id="258" r:id="rId4"/>
+    <p:sldId id="259" r:id="rId5"/>
   </p:sldIdLst>
   <p:sldSz cx="12192000" cy="6858000"/>
   <p:notesSz cx="6858000" cy="9144000"/>
@@ -105,7 +107,135 @@
       </a:defRPr>
     </a:lvl9pPr>
   </p:defaultTextStyle>
+  <p:extLst>
+    <p:ext uri="{EFAFB233-063F-42B5-8137-9DF3F51BA10A}">
+      <p15:sldGuideLst xmlns:p15="http://schemas.microsoft.com/office/powerpoint/2012/main"/>
+    </p:ext>
+  </p:extLst>
 </p:presentation>
+</file>
+
+<file path=ppt/revisionInfo.xml><?xml version="1.0" encoding="utf-8"?>
+<p1510:revInfo xmlns:a="http://schemas.openxmlformats.org/drawingml/2006/main" xmlns:r="http://schemas.openxmlformats.org/officeDocument/2006/relationships" xmlns:p1510="http://schemas.microsoft.com/office/powerpoint/2015/10/main">
+  <p1510:revLst>
+    <p1510:client id="{C47FE46C-1307-1B4D-BF2F-8AD7D9D8AA4E}" v="4" dt="2019-10-01T16:15:21.315"/>
+  </p1510:revLst>
+</p1510:revInfo>
+</file>
+
+<file path=ppt/changesInfos/changesInfo1.xml><?xml version="1.0" encoding="utf-8"?>
+<pc:chgInfo xmlns:a="http://schemas.openxmlformats.org/drawingml/2006/main" xmlns:r="http://schemas.openxmlformats.org/officeDocument/2006/relationships" xmlns:ac="http://schemas.microsoft.com/office/drawing/2013/main/command" xmlns:pc="http://schemas.microsoft.com/office/powerpoint/2013/main/command">
+  <pc:docChgLst>
+    <pc:chgData name="CASTELLANOS CISNEROS, MIRIAM" userId="cc3e60e2-d848-4d5e-915b-29679e0a3e96" providerId="ADAL" clId="{C47FE46C-1307-1B4D-BF2F-8AD7D9D8AA4E}"/>
+    <pc:docChg chg="custSel mod addSld modSld">
+      <pc:chgData name="CASTELLANOS CISNEROS, MIRIAM" userId="cc3e60e2-d848-4d5e-915b-29679e0a3e96" providerId="ADAL" clId="{C47FE46C-1307-1B4D-BF2F-8AD7D9D8AA4E}" dt="2019-10-01T16:26:23.237" v="81" actId="20577"/>
+      <pc:docMkLst>
+        <pc:docMk/>
+      </pc:docMkLst>
+      <pc:sldChg chg="addSp delSp modSp">
+        <pc:chgData name="CASTELLANOS CISNEROS, MIRIAM" userId="cc3e60e2-d848-4d5e-915b-29679e0a3e96" providerId="ADAL" clId="{C47FE46C-1307-1B4D-BF2F-8AD7D9D8AA4E}" dt="2019-10-01T16:14:17.738" v="27" actId="14100"/>
+        <pc:sldMkLst>
+          <pc:docMk/>
+          <pc:sldMk cId="28428242" sldId="257"/>
+        </pc:sldMkLst>
+        <pc:spChg chg="mod">
+          <ac:chgData name="CASTELLANOS CISNEROS, MIRIAM" userId="cc3e60e2-d848-4d5e-915b-29679e0a3e96" providerId="ADAL" clId="{C47FE46C-1307-1B4D-BF2F-8AD7D9D8AA4E}" dt="2019-10-01T15:27:58.634" v="16" actId="20577"/>
+          <ac:spMkLst>
+            <pc:docMk/>
+            <pc:sldMk cId="28428242" sldId="257"/>
+            <ac:spMk id="2" creationId="{E2F9D803-D865-7642-89D0-41C9E62B826D}"/>
+          </ac:spMkLst>
+        </pc:spChg>
+        <pc:spChg chg="del">
+          <ac:chgData name="CASTELLANOS CISNEROS, MIRIAM" userId="cc3e60e2-d848-4d5e-915b-29679e0a3e96" providerId="ADAL" clId="{C47FE46C-1307-1B4D-BF2F-8AD7D9D8AA4E}" dt="2019-10-01T16:13:50.273" v="17" actId="931"/>
+          <ac:spMkLst>
+            <pc:docMk/>
+            <pc:sldMk cId="28428242" sldId="257"/>
+            <ac:spMk id="3" creationId="{E7F0A348-F5A1-5241-BA8E-FF97D15440C9}"/>
+          </ac:spMkLst>
+        </pc:spChg>
+        <pc:picChg chg="add mod modCrop">
+          <ac:chgData name="CASTELLANOS CISNEROS, MIRIAM" userId="cc3e60e2-d848-4d5e-915b-29679e0a3e96" providerId="ADAL" clId="{C47FE46C-1307-1B4D-BF2F-8AD7D9D8AA4E}" dt="2019-10-01T16:14:17.738" v="27" actId="14100"/>
+          <ac:picMkLst>
+            <pc:docMk/>
+            <pc:sldMk cId="28428242" sldId="257"/>
+            <ac:picMk id="5" creationId="{DE930F71-C81C-3F47-83FC-DF0288A2C9AA}"/>
+          </ac:picMkLst>
+        </pc:picChg>
+      </pc:sldChg>
+      <pc:sldChg chg="addSp delSp modSp add mod setBg setClrOvrMap">
+        <pc:chgData name="CASTELLANOS CISNEROS, MIRIAM" userId="cc3e60e2-d848-4d5e-915b-29679e0a3e96" providerId="ADAL" clId="{C47FE46C-1307-1B4D-BF2F-8AD7D9D8AA4E}" dt="2019-10-01T16:15:18.417" v="64" actId="14100"/>
+        <pc:sldMkLst>
+          <pc:docMk/>
+          <pc:sldMk cId="3420856381" sldId="258"/>
+        </pc:sldMkLst>
+        <pc:spChg chg="mod">
+          <ac:chgData name="CASTELLANOS CISNEROS, MIRIAM" userId="cc3e60e2-d848-4d5e-915b-29679e0a3e96" providerId="ADAL" clId="{C47FE46C-1307-1B4D-BF2F-8AD7D9D8AA4E}" dt="2019-10-01T16:15:12.766" v="62" actId="26606"/>
+          <ac:spMkLst>
+            <pc:docMk/>
+            <pc:sldMk cId="3420856381" sldId="258"/>
+            <ac:spMk id="2" creationId="{A3FFF8F8-60DC-054F-81F2-28F4B950A3F1}"/>
+          </ac:spMkLst>
+        </pc:spChg>
+        <pc:spChg chg="del">
+          <ac:chgData name="CASTELLANOS CISNEROS, MIRIAM" userId="cc3e60e2-d848-4d5e-915b-29679e0a3e96" providerId="ADAL" clId="{C47FE46C-1307-1B4D-BF2F-8AD7D9D8AA4E}" dt="2019-10-01T16:15:08.679" v="60" actId="931"/>
+          <ac:spMkLst>
+            <pc:docMk/>
+            <pc:sldMk cId="3420856381" sldId="258"/>
+            <ac:spMk id="3" creationId="{22772D74-0B37-AE41-A8EA-D009855099DD}"/>
+          </ac:spMkLst>
+        </pc:spChg>
+        <pc:spChg chg="add">
+          <ac:chgData name="CASTELLANOS CISNEROS, MIRIAM" userId="cc3e60e2-d848-4d5e-915b-29679e0a3e96" providerId="ADAL" clId="{C47FE46C-1307-1B4D-BF2F-8AD7D9D8AA4E}" dt="2019-10-01T16:15:12.766" v="62" actId="26606"/>
+          <ac:spMkLst>
+            <pc:docMk/>
+            <pc:sldMk cId="3420856381" sldId="258"/>
+            <ac:spMk id="10" creationId="{133F8CB7-795C-4272-9073-64D8CF97F220}"/>
+          </ac:spMkLst>
+        </pc:spChg>
+        <pc:spChg chg="add">
+          <ac:chgData name="CASTELLANOS CISNEROS, MIRIAM" userId="cc3e60e2-d848-4d5e-915b-29679e0a3e96" providerId="ADAL" clId="{C47FE46C-1307-1B4D-BF2F-8AD7D9D8AA4E}" dt="2019-10-01T16:15:12.766" v="62" actId="26606"/>
+          <ac:spMkLst>
+            <pc:docMk/>
+            <pc:sldMk cId="3420856381" sldId="258"/>
+            <ac:spMk id="12" creationId="{B7743172-17A8-4FA4-8434-B813E03B7665}"/>
+          </ac:spMkLst>
+        </pc:spChg>
+        <pc:spChg chg="add">
+          <ac:chgData name="CASTELLANOS CISNEROS, MIRIAM" userId="cc3e60e2-d848-4d5e-915b-29679e0a3e96" providerId="ADAL" clId="{C47FE46C-1307-1B4D-BF2F-8AD7D9D8AA4E}" dt="2019-10-01T16:15:12.766" v="62" actId="26606"/>
+          <ac:spMkLst>
+            <pc:docMk/>
+            <pc:sldMk cId="3420856381" sldId="258"/>
+            <ac:spMk id="14" creationId="{4CE1233C-FD2F-489E-BFDE-086F5FED6491}"/>
+          </ac:spMkLst>
+        </pc:spChg>
+        <pc:picChg chg="add mod">
+          <ac:chgData name="CASTELLANOS CISNEROS, MIRIAM" userId="cc3e60e2-d848-4d5e-915b-29679e0a3e96" providerId="ADAL" clId="{C47FE46C-1307-1B4D-BF2F-8AD7D9D8AA4E}" dt="2019-10-01T16:15:18.417" v="64" actId="14100"/>
+          <ac:picMkLst>
+            <pc:docMk/>
+            <pc:sldMk cId="3420856381" sldId="258"/>
+            <ac:picMk id="5" creationId="{17B431DC-BCAF-FB42-9085-29BD5F0A204F}"/>
+          </ac:picMkLst>
+        </pc:picChg>
+      </pc:sldChg>
+      <pc:sldChg chg="modSp add">
+        <pc:chgData name="CASTELLANOS CISNEROS, MIRIAM" userId="cc3e60e2-d848-4d5e-915b-29679e0a3e96" providerId="ADAL" clId="{C47FE46C-1307-1B4D-BF2F-8AD7D9D8AA4E}" dt="2019-10-01T16:26:23.237" v="81" actId="20577"/>
+        <pc:sldMkLst>
+          <pc:docMk/>
+          <pc:sldMk cId="463848785" sldId="259"/>
+        </pc:sldMkLst>
+        <pc:spChg chg="mod">
+          <ac:chgData name="CASTELLANOS CISNEROS, MIRIAM" userId="cc3e60e2-d848-4d5e-915b-29679e0a3e96" providerId="ADAL" clId="{C47FE46C-1307-1B4D-BF2F-8AD7D9D8AA4E}" dt="2019-10-01T16:26:23.237" v="81" actId="20577"/>
+          <ac:spMkLst>
+            <pc:docMk/>
+            <pc:sldMk cId="463848785" sldId="259"/>
+            <ac:spMk id="2" creationId="{8E5AAC4A-2F72-8443-9E15-287E2DA049EB}"/>
+          </ac:spMkLst>
+        </pc:spChg>
+      </pc:sldChg>
+    </pc:docChg>
+  </pc:docChgLst>
+</pc:chgInfo>
 </file>
 
 <file path=ppt/slideLayouts/slideLayout1.xml><?xml version="1.0" encoding="utf-8"?>
@@ -203,7 +333,7 @@
           <a:effectLst/>
           <a:extLst>
             <a:ext uri="{91240B29-F687-4f45-9708-019B960494DF}">
-              <a14:hiddenLine xmlns:a14="http://schemas.microsoft.com/office/drawing/2010/main" xmlns="" w="9525">
+              <a14:hiddenLine xmlns="" xmlns:a14="http://schemas.microsoft.com/office/drawing/2010/main" w="9525">
                 <a:solidFill>
                   <a:srgbClr val="000000"/>
                 </a:solidFill>
@@ -396,7 +526,7 @@
             <a:fld id="{08B9EBBA-996F-894A-B54A-D6246ED52CEA}" type="datetimeFigureOut">
               <a:rPr lang="en-US" dirty="0"/>
               <a:pPr/>
-              <a:t>9/30/19</a:t>
+              <a:t>10/1/19</a:t>
             </a:fld>
             <a:endParaRPr lang="en-US" dirty="0"/>
           </a:p>
@@ -711,7 +841,7 @@
             <a:fld id="{18C79C5D-2A6F-F04D-97DA-BEF2467B64E4}" type="datetimeFigureOut">
               <a:rPr lang="en-US" dirty="0"/>
               <a:pPr/>
-              <a:t>9/30/19</a:t>
+              <a:t>10/1/19</a:t>
             </a:fld>
             <a:endParaRPr lang="en-US" dirty="0"/>
           </a:p>
@@ -1196,7 +1326,7 @@
             <a:fld id="{8DFA1846-DA80-1C48-A609-854EA85C59AD}" type="datetimeFigureOut">
               <a:rPr lang="en-US" dirty="0"/>
               <a:pPr/>
-              <a:t>9/30/19</a:t>
+              <a:t>10/1/19</a:t>
             </a:fld>
             <a:endParaRPr lang="en-US" dirty="0"/>
           </a:p>
@@ -1562,7 +1692,7 @@
             <a:fld id="{FBF54567-0DE4-3F47-BF90-CB84690072F9}" type="datetimeFigureOut">
               <a:rPr lang="en-US" dirty="0"/>
               <a:pPr/>
-              <a:t>9/30/19</a:t>
+              <a:t>10/1/19</a:t>
             </a:fld>
             <a:endParaRPr lang="en-US" dirty="0"/>
           </a:p>
@@ -1713,7 +1843,7 @@
           <a:ln/>
           <a:extLst>
             <a:ext uri="{91240B29-F687-4f45-9708-019B960494DF}">
-              <a14:hiddenLine xmlns:a14="http://schemas.microsoft.com/office/drawing/2010/main" xmlns="" w="9525">
+              <a14:hiddenLine xmlns="" xmlns:a14="http://schemas.microsoft.com/office/drawing/2010/main" w="9525">
                 <a:solidFill>
                   <a:srgbClr val="000000"/>
                 </a:solidFill>
@@ -1832,7 +1962,7 @@
             <a:fld id="{C6C52C72-DE31-F449-A4ED-4C594FD91407}" type="datetimeFigureOut">
               <a:rPr lang="en-US" dirty="0"/>
               <a:pPr/>
-              <a:t>9/30/19</a:t>
+              <a:t>10/1/19</a:t>
             </a:fld>
             <a:endParaRPr lang="en-US" dirty="0"/>
           </a:p>
@@ -1985,7 +2115,7 @@
           <a:ln/>
           <a:extLst>
             <a:ext uri="{91240B29-F687-4f45-9708-019B960494DF}">
-              <a14:hiddenLine xmlns:a14="http://schemas.microsoft.com/office/drawing/2010/main" xmlns="" w="9525">
+              <a14:hiddenLine xmlns="" xmlns:a14="http://schemas.microsoft.com/office/drawing/2010/main" w="9525">
                 <a:solidFill>
                   <a:srgbClr val="000000"/>
                 </a:solidFill>
@@ -2114,7 +2244,7 @@
             <a:fld id="{ED62726E-379B-B349-9EED-81ED093FA806}" type="datetimeFigureOut">
               <a:rPr lang="en-US" dirty="0"/>
               <a:pPr/>
-              <a:t>9/30/19</a:t>
+              <a:t>10/1/19</a:t>
             </a:fld>
             <a:endParaRPr lang="en-US" dirty="0"/>
           </a:p>
@@ -2265,7 +2395,7 @@
           <a:ln/>
           <a:extLst>
             <a:ext uri="{91240B29-F687-4f45-9708-019B960494DF}">
-              <a14:hiddenLine xmlns:a14="http://schemas.microsoft.com/office/drawing/2010/main" xmlns="" w="9525">
+              <a14:hiddenLine xmlns="" xmlns:a14="http://schemas.microsoft.com/office/drawing/2010/main" w="9525">
                 <a:solidFill>
                   <a:srgbClr val="000000"/>
                 </a:solidFill>
@@ -2394,7 +2524,7 @@
             <a:fld id="{9B3A1323-8D79-1946-B0D7-40001CF92E9D}" type="datetimeFigureOut">
               <a:rPr lang="en-US" dirty="0"/>
               <a:pPr/>
-              <a:t>9/30/19</a:t>
+              <a:t>10/1/19</a:t>
             </a:fld>
             <a:endParaRPr lang="en-US" dirty="0"/>
           </a:p>
@@ -2734,7 +2864,7 @@
             <a:fld id="{8DFA1846-DA80-1C48-A609-854EA85C59AD}" type="datetimeFigureOut">
               <a:rPr lang="en-US" dirty="0"/>
               <a:pPr/>
-              <a:t>9/30/19</a:t>
+              <a:t>10/1/19</a:t>
             </a:fld>
             <a:endParaRPr lang="en-US" dirty="0"/>
           </a:p>
@@ -2885,7 +3015,7 @@
           <a:ln/>
           <a:extLst>
             <a:ext uri="{91240B29-F687-4f45-9708-019B960494DF}">
-              <a14:hiddenLine xmlns:a14="http://schemas.microsoft.com/office/drawing/2010/main" xmlns="" w="9525">
+              <a14:hiddenLine xmlns="" xmlns:a14="http://schemas.microsoft.com/office/drawing/2010/main" w="9525">
                 <a:solidFill>
                   <a:srgbClr val="000000"/>
                 </a:solidFill>
@@ -3070,7 +3200,7 @@
             <a:fld id="{57302355-E14B-8545-A8F8-0FE83CC9D524}" type="datetimeFigureOut">
               <a:rPr lang="en-US" dirty="0"/>
               <a:pPr/>
-              <a:t>9/30/19</a:t>
+              <a:t>10/1/19</a:t>
             </a:fld>
             <a:endParaRPr lang="en-US" dirty="0"/>
           </a:p>
@@ -3221,7 +3351,7 @@
           <a:ln/>
           <a:extLst>
             <a:ext uri="{91240B29-F687-4f45-9708-019B960494DF}">
-              <a14:hiddenLine xmlns:a14="http://schemas.microsoft.com/office/drawing/2010/main" xmlns="" w="9525">
+              <a14:hiddenLine xmlns="" xmlns:a14="http://schemas.microsoft.com/office/drawing/2010/main" w="9525">
                 <a:solidFill>
                   <a:srgbClr val="000000"/>
                 </a:solidFill>
@@ -3544,7 +3674,7 @@
             <a:fld id="{02640F58-564D-2B4F-AE67-E407BA4FCF45}" type="datetimeFigureOut">
               <a:rPr lang="en-US" dirty="0"/>
               <a:pPr/>
-              <a:t>9/30/19</a:t>
+              <a:t>10/1/19</a:t>
             </a:fld>
             <a:endParaRPr lang="en-US" dirty="0"/>
           </a:p>
@@ -3695,7 +3825,7 @@
           <a:ln/>
           <a:extLst>
             <a:ext uri="{91240B29-F687-4f45-9708-019B960494DF}">
-              <a14:hiddenLine xmlns:a14="http://schemas.microsoft.com/office/drawing/2010/main" xmlns="" w="9525">
+              <a14:hiddenLine xmlns="" xmlns:a14="http://schemas.microsoft.com/office/drawing/2010/main" w="9525">
                 <a:solidFill>
                   <a:srgbClr val="000000"/>
                 </a:solidFill>
@@ -3762,7 +3892,7 @@
             <a:fld id="{F13A34C8-038E-2045-AF43-DF7DBB8E0E9E}" type="datetimeFigureOut">
               <a:rPr lang="en-US" dirty="0"/>
               <a:pPr/>
-              <a:t>9/30/19</a:t>
+              <a:t>10/1/19</a:t>
             </a:fld>
             <a:endParaRPr lang="en-US" dirty="0"/>
           </a:p>
@@ -3854,7 +3984,7 @@
             <a:fld id="{8818C68F-D26B-8F47-958C-23B49CF8A634}" type="datetimeFigureOut">
               <a:rPr lang="en-US" dirty="0"/>
               <a:pPr/>
-              <a:t>9/30/19</a:t>
+              <a:t>10/1/19</a:t>
             </a:fld>
             <a:endParaRPr lang="en-US" dirty="0"/>
           </a:p>
@@ -4118,7 +4248,7 @@
           <a:ln/>
           <a:extLst>
             <a:ext uri="{91240B29-F687-4f45-9708-019B960494DF}">
-              <a14:hiddenLine xmlns:a14="http://schemas.microsoft.com/office/drawing/2010/main" xmlns="" w="9525">
+              <a14:hiddenLine xmlns="" xmlns:a14="http://schemas.microsoft.com/office/drawing/2010/main" w="9525">
                 <a:solidFill>
                   <a:srgbClr val="000000"/>
                 </a:solidFill>
@@ -4318,7 +4448,7 @@
             <a:fld id="{D0DF5E60-9974-AC48-9591-99C2BB44B7CF}" type="datetimeFigureOut">
               <a:rPr lang="en-US" dirty="0"/>
               <a:pPr/>
-              <a:t>9/30/19</a:t>
+              <a:t>10/1/19</a:t>
             </a:fld>
             <a:endParaRPr lang="en-US" dirty="0"/>
           </a:p>
@@ -4628,7 +4758,7 @@
             <a:fld id="{18C79C5D-2A6F-F04D-97DA-BEF2467B64E4}" type="datetimeFigureOut">
               <a:rPr lang="en-US" dirty="0"/>
               <a:pPr/>
-              <a:t>9/30/19</a:t>
+              <a:t>10/1/19</a:t>
             </a:fld>
             <a:endParaRPr lang="en-US" dirty="0"/>
           </a:p>
@@ -4895,7 +5025,7 @@
             <a:fld id="{09B482E8-6E0E-1B4F-B1FD-C69DB9E858D9}" type="datetimeFigureOut">
               <a:rPr lang="en-US" dirty="0"/>
               <a:pPr/>
-              <a:t>9/30/19</a:t>
+              <a:t>10/1/19</a:t>
             </a:fld>
             <a:endParaRPr lang="en-US" dirty="0"/>
           </a:p>
@@ -5467,39 +5597,632 @@
           <a:bodyPr/>
           <a:lstStyle/>
           <a:p>
-            <a:endParaRPr lang="es-MX"/>
-          </a:p>
-        </p:txBody>
-      </p:sp>
-      <p:sp>
-        <p:nvSpPr>
-          <p:cNvPr id="3" name="Marcador de contenido 2">
+            <a:r>
+              <a:rPr lang="es-MX" dirty="0"/>
+              <a:t>Nuestro enunciado</a:t>
+            </a:r>
+          </a:p>
+        </p:txBody>
+      </p:sp>
+      <p:pic>
+        <p:nvPicPr>
+          <p:cNvPr id="5" name="Marcador de contenido 4">
             <a:extLst>
               <a:ext uri="{FF2B5EF4-FFF2-40B4-BE49-F238E27FC236}">
-                <a16:creationId xmlns:a16="http://schemas.microsoft.com/office/drawing/2014/main" id="{E7F0A348-F5A1-5241-BA8E-FF97D15440C9}"/>
+                <a16:creationId xmlns:a16="http://schemas.microsoft.com/office/drawing/2014/main" id="{DE930F71-C81C-3F47-83FC-DF0288A2C9AA}"/>
               </a:ext>
             </a:extLst>
           </p:cNvPr>
-          <p:cNvSpPr>
-            <a:spLocks noGrp="1"/>
-          </p:cNvSpPr>
+          <p:cNvPicPr>
+            <a:picLocks noGrp="1" noChangeAspect="1"/>
+          </p:cNvPicPr>
           <p:nvPr>
             <p:ph idx="1"/>
           </p:nvPr>
-        </p:nvSpPr>
-        <p:spPr/>
-        <p:txBody>
-          <a:bodyPr/>
-          <a:lstStyle/>
-          <a:p>
-            <a:endParaRPr lang="es-MX" dirty="0"/>
-          </a:p>
-        </p:txBody>
-      </p:sp>
+        </p:nvPicPr>
+        <p:blipFill rotWithShape="1">
+          <a:blip r:embed="rId2"/>
+          <a:srcRect l="6339"/>
+          <a:stretch/>
+        </p:blipFill>
+        <p:spPr>
+          <a:xfrm>
+            <a:off x="1" y="2835540"/>
+            <a:ext cx="12192000" cy="1817926"/>
+          </a:xfrm>
+        </p:spPr>
+      </p:pic>
     </p:spTree>
     <p:extLst>
       <p:ext uri="{BB962C8B-B14F-4D97-AF65-F5344CB8AC3E}">
         <p14:creationId xmlns:p14="http://schemas.microsoft.com/office/powerpoint/2010/main" val="28428242"/>
+      </p:ext>
+    </p:extLst>
+  </p:cSld>
+  <p:clrMapOvr>
+    <a:masterClrMapping/>
+  </p:clrMapOvr>
+</p:sld>
+</file>
+
+<file path=ppt/slides/slide3.xml><?xml version="1.0" encoding="utf-8"?>
+<p:sld xmlns:a="http://schemas.openxmlformats.org/drawingml/2006/main" xmlns:r="http://schemas.openxmlformats.org/officeDocument/2006/relationships" xmlns:p="http://schemas.openxmlformats.org/presentationml/2006/main">
+  <p:cSld>
+    <p:bg>
+      <p:bgPr>
+        <a:solidFill>
+          <a:schemeClr val="bg1"/>
+        </a:solidFill>
+        <a:effectLst/>
+      </p:bgPr>
+    </p:bg>
+    <p:spTree>
+      <p:nvGrpSpPr>
+        <p:cNvPr id="1" name=""/>
+        <p:cNvGrpSpPr/>
+        <p:nvPr/>
+      </p:nvGrpSpPr>
+      <p:grpSpPr>
+        <a:xfrm>
+          <a:off x="0" y="0"/>
+          <a:ext cx="0" cy="0"/>
+          <a:chOff x="0" y="0"/>
+          <a:chExt cx="0" cy="0"/>
+        </a:xfrm>
+      </p:grpSpPr>
+      <p:sp>
+        <p:nvSpPr>
+          <p:cNvPr id="10" name="Freeform 6">
+            <a:extLst>
+              <a:ext uri="{FF2B5EF4-FFF2-40B4-BE49-F238E27FC236}">
+                <a16:creationId xmlns:a16="http://schemas.microsoft.com/office/drawing/2014/main" id="{133F8CB7-795C-4272-9073-64D8CF97F220}"/>
+              </a:ext>
+              <a:ext uri="{C183D7F6-B498-43B3-948B-1728B52AA6E4}">
+                <adec:decorative xmlns:adec="http://schemas.microsoft.com/office/drawing/2017/decorative" val="1"/>
+              </a:ext>
+            </a:extLst>
+          </p:cNvPr>
+          <p:cNvSpPr>
+            <a:spLocks noGrp="1" noRot="1" noChangeAspect="1" noMove="1" noResize="1" noEditPoints="1" noAdjustHandles="1" noChangeArrowheads="1" noChangeShapeType="1" noTextEdit="1"/>
+          </p:cNvSpPr>
+          <p:nvPr>
+            <p:extLst>
+              <p:ext uri="{386F3935-93C4-4BCD-93E2-E3B085C9AB24}">
+                <p16:designElem xmlns:p16="http://schemas.microsoft.com/office/powerpoint/2015/main" val="1"/>
+              </p:ext>
+            </p:extLst>
+          </p:nvPr>
+        </p:nvSpPr>
+        <p:spPr bwMode="auto">
+          <a:xfrm>
+            <a:off x="0" y="-3175"/>
+            <a:ext cx="12192000" cy="5203825"/>
+          </a:xfrm>
+          <a:custGeom>
+            <a:avLst/>
+            <a:gdLst/>
+            <a:ahLst/>
+            <a:cxnLst/>
+            <a:rect l="0" t="0" r="r" b="b"/>
+            <a:pathLst>
+              <a:path w="5760" h="3278">
+                <a:moveTo>
+                  <a:pt x="5760" y="0"/>
+                </a:moveTo>
+                <a:lnTo>
+                  <a:pt x="0" y="0"/>
+                </a:lnTo>
+                <a:lnTo>
+                  <a:pt x="0" y="3090"/>
+                </a:lnTo>
+                <a:lnTo>
+                  <a:pt x="943" y="3090"/>
+                </a:lnTo>
+                <a:lnTo>
+                  <a:pt x="1123" y="3270"/>
+                </a:lnTo>
+                <a:lnTo>
+                  <a:pt x="1123" y="3270"/>
+                </a:lnTo>
+                <a:lnTo>
+                  <a:pt x="1127" y="3272"/>
+                </a:lnTo>
+                <a:lnTo>
+                  <a:pt x="1133" y="3275"/>
+                </a:lnTo>
+                <a:lnTo>
+                  <a:pt x="1139" y="3278"/>
+                </a:lnTo>
+                <a:lnTo>
+                  <a:pt x="1144" y="3278"/>
+                </a:lnTo>
+                <a:lnTo>
+                  <a:pt x="1150" y="3278"/>
+                </a:lnTo>
+                <a:lnTo>
+                  <a:pt x="1155" y="3275"/>
+                </a:lnTo>
+                <a:lnTo>
+                  <a:pt x="1161" y="3272"/>
+                </a:lnTo>
+                <a:lnTo>
+                  <a:pt x="1165" y="3270"/>
+                </a:lnTo>
+                <a:lnTo>
+                  <a:pt x="1345" y="3090"/>
+                </a:lnTo>
+                <a:lnTo>
+                  <a:pt x="5760" y="3090"/>
+                </a:lnTo>
+                <a:lnTo>
+                  <a:pt x="5760" y="0"/>
+                </a:lnTo>
+                <a:close/>
+              </a:path>
+            </a:pathLst>
+          </a:custGeom>
+          <a:ln/>
+          <a:effectLst/>
+          <a:extLst>
+            <a:ext uri="{91240B29-F687-4f45-9708-019B960494DF}">
+              <a14:hiddenLine xmlns="" xmlns:a16="http://schemas.microsoft.com/office/drawing/2014/main" xmlns:p14="http://schemas.microsoft.com/office/powerpoint/2010/main" xmlns:a14="http://schemas.microsoft.com/office/drawing/2010/main" w="9525">
+                <a:solidFill>
+                  <a:srgbClr val="000000"/>
+                </a:solidFill>
+                <a:round/>
+                <a:headEnd/>
+                <a:tailEnd/>
+              </a14:hiddenLine>
+            </a:ext>
+          </a:extLst>
+        </p:spPr>
+        <p:style>
+          <a:lnRef idx="1">
+            <a:schemeClr val="accent1"/>
+          </a:lnRef>
+          <a:fillRef idx="3">
+            <a:schemeClr val="accent1"/>
+          </a:fillRef>
+          <a:effectRef idx="2">
+            <a:schemeClr val="accent1"/>
+          </a:effectRef>
+          <a:fontRef idx="minor">
+            <a:schemeClr val="lt1"/>
+          </a:fontRef>
+        </p:style>
+      </p:sp>
+      <p:sp>
+        <p:nvSpPr>
+          <p:cNvPr id="12" name="Rectangle 11">
+            <a:extLst>
+              <a:ext uri="{FF2B5EF4-FFF2-40B4-BE49-F238E27FC236}">
+                <a16:creationId xmlns:a16="http://schemas.microsoft.com/office/drawing/2014/main" id="{B7743172-17A8-4FA4-8434-B813E03B7665}"/>
+              </a:ext>
+              <a:ext uri="{C183D7F6-B498-43B3-948B-1728B52AA6E4}">
+                <adec:decorative xmlns:adec="http://schemas.microsoft.com/office/drawing/2017/decorative" val="1"/>
+              </a:ext>
+            </a:extLst>
+          </p:cNvPr>
+          <p:cNvSpPr>
+            <a:spLocks noGrp="1" noRot="1" noChangeAspect="1" noMove="1" noResize="1" noEditPoints="1" noAdjustHandles="1" noChangeArrowheads="1" noChangeShapeType="1" noTextEdit="1"/>
+          </p:cNvSpPr>
+          <p:nvPr>
+            <p:extLst>
+              <p:ext uri="{386F3935-93C4-4BCD-93E2-E3B085C9AB24}">
+                <p16:designElem xmlns:p16="http://schemas.microsoft.com/office/powerpoint/2015/main" val="1"/>
+              </p:ext>
+            </p:extLst>
+          </p:nvPr>
+        </p:nvSpPr>
+        <p:spPr>
+          <a:xfrm>
+            <a:off x="0" y="0"/>
+            <a:ext cx="12192000" cy="6858000"/>
+          </a:xfrm>
+          <a:prstGeom prst="rect">
+            <a:avLst/>
+          </a:prstGeom>
+          <a:solidFill>
+            <a:schemeClr val="bg1"/>
+          </a:solidFill>
+          <a:ln>
+            <a:noFill/>
+          </a:ln>
+        </p:spPr>
+        <p:style>
+          <a:lnRef idx="2">
+            <a:schemeClr val="accent1">
+              <a:shade val="50000"/>
+            </a:schemeClr>
+          </a:lnRef>
+          <a:fillRef idx="1">
+            <a:schemeClr val="accent1"/>
+          </a:fillRef>
+          <a:effectRef idx="0">
+            <a:schemeClr val="accent1"/>
+          </a:effectRef>
+          <a:fontRef idx="minor">
+            <a:schemeClr val="lt1"/>
+          </a:fontRef>
+        </p:style>
+        <p:txBody>
+          <a:bodyPr rtlCol="0" anchor="ctr"/>
+          <a:lstStyle/>
+          <a:p>
+            <a:pPr algn="ctr"/>
+            <a:endParaRPr lang="en-US"/>
+          </a:p>
+        </p:txBody>
+      </p:sp>
+      <p:sp>
+        <p:nvSpPr>
+          <p:cNvPr id="14" name="Freeform 23">
+            <a:extLst>
+              <a:ext uri="{FF2B5EF4-FFF2-40B4-BE49-F238E27FC236}">
+                <a16:creationId xmlns:a16="http://schemas.microsoft.com/office/drawing/2014/main" id="{4CE1233C-FD2F-489E-BFDE-086F5FED6491}"/>
+              </a:ext>
+              <a:ext uri="{C183D7F6-B498-43B3-948B-1728B52AA6E4}">
+                <adec:decorative xmlns:adec="http://schemas.microsoft.com/office/drawing/2017/decorative" val="1"/>
+              </a:ext>
+            </a:extLst>
+          </p:cNvPr>
+          <p:cNvSpPr>
+            <a:spLocks noGrp="1" noRot="1" noChangeAspect="1" noMove="1" noResize="1" noEditPoints="1" noAdjustHandles="1" noChangeArrowheads="1" noChangeShapeType="1" noTextEdit="1"/>
+          </p:cNvSpPr>
+          <p:nvPr>
+            <p:extLst>
+              <p:ext uri="{386F3935-93C4-4BCD-93E2-E3B085C9AB24}">
+                <p16:designElem xmlns:p16="http://schemas.microsoft.com/office/powerpoint/2015/main" val="1"/>
+              </p:ext>
+            </p:extLst>
+          </p:nvPr>
+        </p:nvSpPr>
+        <p:spPr bwMode="white">
+          <a:xfrm>
+            <a:off x="0" y="0"/>
+            <a:ext cx="4637005" cy="6858000"/>
+          </a:xfrm>
+          <a:custGeom>
+            <a:avLst/>
+            <a:gdLst>
+              <a:gd name="connsiteX0" fmla="*/ 0 w 4637005"/>
+              <a:gd name="connsiteY0" fmla="*/ 0 h 6858000"/>
+              <a:gd name="connsiteX1" fmla="*/ 4637005 w 4637005"/>
+              <a:gd name="connsiteY1" fmla="*/ 0 h 6858000"/>
+              <a:gd name="connsiteX2" fmla="*/ 4637005 w 4637005"/>
+              <a:gd name="connsiteY2" fmla="*/ 1900238 h 6858000"/>
+              <a:gd name="connsiteX3" fmla="*/ 4266589 w 4637005"/>
+              <a:gd name="connsiteY3" fmla="*/ 2178050 h 6858000"/>
+              <a:gd name="connsiteX4" fmla="*/ 4262355 w 4637005"/>
+              <a:gd name="connsiteY4" fmla="*/ 2184400 h 6858000"/>
+              <a:gd name="connsiteX5" fmla="*/ 4256005 w 4637005"/>
+              <a:gd name="connsiteY5" fmla="*/ 2193925 h 6858000"/>
+              <a:gd name="connsiteX6" fmla="*/ 4249655 w 4637005"/>
+              <a:gd name="connsiteY6" fmla="*/ 2201863 h 6858000"/>
+              <a:gd name="connsiteX7" fmla="*/ 4249655 w 4637005"/>
+              <a:gd name="connsiteY7" fmla="*/ 2211388 h 6858000"/>
+              <a:gd name="connsiteX8" fmla="*/ 4249655 w 4637005"/>
+              <a:gd name="connsiteY8" fmla="*/ 2220913 h 6858000"/>
+              <a:gd name="connsiteX9" fmla="*/ 4256005 w 4637005"/>
+              <a:gd name="connsiteY9" fmla="*/ 2228850 h 6858000"/>
+              <a:gd name="connsiteX10" fmla="*/ 4262355 w 4637005"/>
+              <a:gd name="connsiteY10" fmla="*/ 2238375 h 6858000"/>
+              <a:gd name="connsiteX11" fmla="*/ 4266589 w 4637005"/>
+              <a:gd name="connsiteY11" fmla="*/ 2244725 h 6858000"/>
+              <a:gd name="connsiteX12" fmla="*/ 4637005 w 4637005"/>
+              <a:gd name="connsiteY12" fmla="*/ 2522538 h 6858000"/>
+              <a:gd name="connsiteX13" fmla="*/ 4637005 w 4637005"/>
+              <a:gd name="connsiteY13" fmla="*/ 6858000 h 6858000"/>
+              <a:gd name="connsiteX14" fmla="*/ 0 w 4637005"/>
+              <a:gd name="connsiteY14" fmla="*/ 6858000 h 6858000"/>
+            </a:gdLst>
+            <a:ahLst/>
+            <a:cxnLst>
+              <a:cxn ang="0">
+                <a:pos x="connsiteX0" y="connsiteY0"/>
+              </a:cxn>
+              <a:cxn ang="0">
+                <a:pos x="connsiteX1" y="connsiteY1"/>
+              </a:cxn>
+              <a:cxn ang="0">
+                <a:pos x="connsiteX2" y="connsiteY2"/>
+              </a:cxn>
+              <a:cxn ang="0">
+                <a:pos x="connsiteX3" y="connsiteY3"/>
+              </a:cxn>
+              <a:cxn ang="0">
+                <a:pos x="connsiteX4" y="connsiteY4"/>
+              </a:cxn>
+              <a:cxn ang="0">
+                <a:pos x="connsiteX5" y="connsiteY5"/>
+              </a:cxn>
+              <a:cxn ang="0">
+                <a:pos x="connsiteX6" y="connsiteY6"/>
+              </a:cxn>
+              <a:cxn ang="0">
+                <a:pos x="connsiteX7" y="connsiteY7"/>
+              </a:cxn>
+              <a:cxn ang="0">
+                <a:pos x="connsiteX8" y="connsiteY8"/>
+              </a:cxn>
+              <a:cxn ang="0">
+                <a:pos x="connsiteX9" y="connsiteY9"/>
+              </a:cxn>
+              <a:cxn ang="0">
+                <a:pos x="connsiteX10" y="connsiteY10"/>
+              </a:cxn>
+              <a:cxn ang="0">
+                <a:pos x="connsiteX11" y="connsiteY11"/>
+              </a:cxn>
+              <a:cxn ang="0">
+                <a:pos x="connsiteX12" y="connsiteY12"/>
+              </a:cxn>
+              <a:cxn ang="0">
+                <a:pos x="connsiteX13" y="connsiteY13"/>
+              </a:cxn>
+              <a:cxn ang="0">
+                <a:pos x="connsiteX14" y="connsiteY14"/>
+              </a:cxn>
+            </a:cxnLst>
+            <a:rect l="l" t="t" r="r" b="b"/>
+            <a:pathLst>
+              <a:path w="4637005" h="6858000">
+                <a:moveTo>
+                  <a:pt x="0" y="0"/>
+                </a:moveTo>
+                <a:lnTo>
+                  <a:pt x="4637005" y="0"/>
+                </a:lnTo>
+                <a:lnTo>
+                  <a:pt x="4637005" y="1900238"/>
+                </a:lnTo>
+                <a:lnTo>
+                  <a:pt x="4266589" y="2178050"/>
+                </a:lnTo>
+                <a:lnTo>
+                  <a:pt x="4262355" y="2184400"/>
+                </a:lnTo>
+                <a:lnTo>
+                  <a:pt x="4256005" y="2193925"/>
+                </a:lnTo>
+                <a:lnTo>
+                  <a:pt x="4249655" y="2201863"/>
+                </a:lnTo>
+                <a:lnTo>
+                  <a:pt x="4249655" y="2211388"/>
+                </a:lnTo>
+                <a:lnTo>
+                  <a:pt x="4249655" y="2220913"/>
+                </a:lnTo>
+                <a:lnTo>
+                  <a:pt x="4256005" y="2228850"/>
+                </a:lnTo>
+                <a:lnTo>
+                  <a:pt x="4262355" y="2238375"/>
+                </a:lnTo>
+                <a:lnTo>
+                  <a:pt x="4266589" y="2244725"/>
+                </a:lnTo>
+                <a:lnTo>
+                  <a:pt x="4637005" y="2522538"/>
+                </a:lnTo>
+                <a:lnTo>
+                  <a:pt x="4637005" y="6858000"/>
+                </a:lnTo>
+                <a:lnTo>
+                  <a:pt x="0" y="6858000"/>
+                </a:lnTo>
+                <a:close/>
+              </a:path>
+            </a:pathLst>
+          </a:custGeom>
+          <a:blipFill>
+            <a:blip r:embed="rId2">
+              <a:duotone>
+                <a:schemeClr val="accent1">
+                  <a:tint val="98000"/>
+                  <a:lumMod val="102000"/>
+                </a:schemeClr>
+                <a:schemeClr val="accent1">
+                  <a:shade val="98000"/>
+                  <a:lumMod val="98000"/>
+                </a:schemeClr>
+              </a:duotone>
+            </a:blip>
+            <a:tile tx="0" ty="0" sx="100000" sy="100000" flip="none" algn="tl"/>
+          </a:blipFill>
+          <a:ln>
+            <a:headEnd/>
+            <a:tailEnd/>
+          </a:ln>
+        </p:spPr>
+        <p:style>
+          <a:lnRef idx="1">
+            <a:schemeClr val="accent1"/>
+          </a:lnRef>
+          <a:fillRef idx="3">
+            <a:schemeClr val="accent1"/>
+          </a:fillRef>
+          <a:effectRef idx="2">
+            <a:schemeClr val="accent1"/>
+          </a:effectRef>
+          <a:fontRef idx="minor">
+            <a:schemeClr val="lt1"/>
+          </a:fontRef>
+        </p:style>
+        <p:txBody>
+          <a:bodyPr wrap="square" rtlCol="0" anchor="ctr">
+            <a:noAutofit/>
+          </a:bodyPr>
+          <a:lstStyle/>
+          <a:p>
+            <a:pPr algn="ctr"/>
+            <a:endParaRPr lang="en-US"/>
+          </a:p>
+        </p:txBody>
+      </p:sp>
+      <p:sp>
+        <p:nvSpPr>
+          <p:cNvPr id="2" name="Título 1">
+            <a:extLst>
+              <a:ext uri="{FF2B5EF4-FFF2-40B4-BE49-F238E27FC236}">
+                <a16:creationId xmlns:a16="http://schemas.microsoft.com/office/drawing/2014/main" id="{A3FFF8F8-60DC-054F-81F2-28F4B950A3F1}"/>
+              </a:ext>
+            </a:extLst>
+          </p:cNvPr>
+          <p:cNvSpPr>
+            <a:spLocks noGrp="1"/>
+          </p:cNvSpPr>
+          <p:nvPr>
+            <p:ph type="title"/>
+          </p:nvPr>
+        </p:nvSpPr>
+        <p:spPr>
+          <a:xfrm>
+            <a:off x="451514" y="1800225"/>
+            <a:ext cx="3444211" cy="4241136"/>
+          </a:xfrm>
+        </p:spPr>
+        <p:txBody>
+          <a:bodyPr vert="horz" lIns="91440" tIns="45720" rIns="91440" bIns="45720" rtlCol="0" anchor="t">
+            <a:normAutofit/>
+          </a:bodyPr>
+          <a:lstStyle/>
+          <a:p>
+            <a:r>
+              <a:rPr lang="en-US" sz="3400"/>
+              <a:t>Planteamiento de la solución</a:t>
+            </a:r>
+          </a:p>
+        </p:txBody>
+      </p:sp>
+      <p:pic>
+        <p:nvPicPr>
+          <p:cNvPr id="5" name="Marcador de contenido 4">
+            <a:extLst>
+              <a:ext uri="{FF2B5EF4-FFF2-40B4-BE49-F238E27FC236}">
+                <a16:creationId xmlns:a16="http://schemas.microsoft.com/office/drawing/2014/main" id="{17B431DC-BCAF-FB42-9085-29BD5F0A204F}"/>
+              </a:ext>
+            </a:extLst>
+          </p:cNvPr>
+          <p:cNvPicPr>
+            <a:picLocks noGrp="1" noChangeAspect="1"/>
+          </p:cNvPicPr>
+          <p:nvPr>
+            <p:ph idx="1"/>
+          </p:nvPr>
+        </p:nvPicPr>
+        <p:blipFill>
+          <a:blip r:embed="rId3"/>
+          <a:stretch>
+            <a:fillRect/>
+          </a:stretch>
+        </p:blipFill>
+        <p:spPr>
+          <a:xfrm>
+            <a:off x="4739642" y="593709"/>
+            <a:ext cx="7338984" cy="3963051"/>
+          </a:xfrm>
+          <a:prstGeom prst="roundRect">
+            <a:avLst>
+              <a:gd name="adj" fmla="val 3876"/>
+            </a:avLst>
+          </a:prstGeom>
+          <a:ln>
+            <a:solidFill>
+              <a:schemeClr val="accent1"/>
+            </a:solidFill>
+          </a:ln>
+          <a:effectLst/>
+        </p:spPr>
+      </p:pic>
+    </p:spTree>
+    <p:extLst>
+      <p:ext uri="{BB962C8B-B14F-4D97-AF65-F5344CB8AC3E}">
+        <p14:creationId xmlns:p14="http://schemas.microsoft.com/office/powerpoint/2010/main" val="3420856381"/>
+      </p:ext>
+    </p:extLst>
+  </p:cSld>
+  <p:clrMapOvr>
+    <a:overrideClrMapping bg1="lt1" tx1="dk1" bg2="lt2" tx2="dk2" accent1="accent1" accent2="accent2" accent3="accent3" accent4="accent4" accent5="accent5" accent6="accent6" hlink="hlink" folHlink="folHlink"/>
+  </p:clrMapOvr>
+</p:sld>
+</file>
+
+<file path=ppt/slides/slide4.xml><?xml version="1.0" encoding="utf-8"?>
+<p:sld xmlns:a="http://schemas.openxmlformats.org/drawingml/2006/main" xmlns:r="http://schemas.openxmlformats.org/officeDocument/2006/relationships" xmlns:p="http://schemas.openxmlformats.org/presentationml/2006/main">
+  <p:cSld>
+    <p:spTree>
+      <p:nvGrpSpPr>
+        <p:cNvPr id="1" name=""/>
+        <p:cNvGrpSpPr/>
+        <p:nvPr/>
+      </p:nvGrpSpPr>
+      <p:grpSpPr>
+        <a:xfrm>
+          <a:off x="0" y="0"/>
+          <a:ext cx="0" cy="0"/>
+          <a:chOff x="0" y="0"/>
+          <a:chExt cx="0" cy="0"/>
+        </a:xfrm>
+      </p:grpSpPr>
+      <p:sp>
+        <p:nvSpPr>
+          <p:cNvPr id="2" name="Título 1">
+            <a:extLst>
+              <a:ext uri="{FF2B5EF4-FFF2-40B4-BE49-F238E27FC236}">
+                <a16:creationId xmlns:a16="http://schemas.microsoft.com/office/drawing/2014/main" id="{8E5AAC4A-2F72-8443-9E15-287E2DA049EB}"/>
+              </a:ext>
+            </a:extLst>
+          </p:cNvPr>
+          <p:cNvSpPr>
+            <a:spLocks noGrp="1"/>
+          </p:cNvSpPr>
+          <p:nvPr>
+            <p:ph type="title"/>
+          </p:nvPr>
+        </p:nvSpPr>
+        <p:spPr/>
+        <p:txBody>
+          <a:bodyPr/>
+          <a:lstStyle/>
+          <a:p>
+            <a:r>
+              <a:rPr lang="es-MX" dirty="0"/>
+              <a:t>Grafica	</a:t>
+            </a:r>
+          </a:p>
+        </p:txBody>
+      </p:sp>
+      <p:sp>
+        <p:nvSpPr>
+          <p:cNvPr id="3" name="Marcador de contenido 2">
+            <a:extLst>
+              <a:ext uri="{FF2B5EF4-FFF2-40B4-BE49-F238E27FC236}">
+                <a16:creationId xmlns:a16="http://schemas.microsoft.com/office/drawing/2014/main" id="{845785A9-44AE-7044-9661-CB05DB1D1DF9}"/>
+              </a:ext>
+            </a:extLst>
+          </p:cNvPr>
+          <p:cNvSpPr>
+            <a:spLocks noGrp="1"/>
+          </p:cNvSpPr>
+          <p:nvPr>
+            <p:ph idx="1"/>
+          </p:nvPr>
+        </p:nvSpPr>
+        <p:spPr/>
+        <p:txBody>
+          <a:bodyPr/>
+          <a:lstStyle/>
+          <a:p>
+            <a:endParaRPr lang="es-MX"/>
+          </a:p>
+        </p:txBody>
+      </p:sp>
+    </p:spTree>
+    <p:extLst>
+      <p:ext uri="{BB962C8B-B14F-4D97-AF65-F5344CB8AC3E}">
+        <p14:creationId xmlns:p14="http://schemas.microsoft.com/office/powerpoint/2010/main" val="463848785"/>
       </p:ext>
     </p:extLst>
   </p:cSld>

--- a/Presentación proyecto modulo 1.pptx
+++ b/Presentación proyecto modulo 1.pptx
@@ -9,6 +9,7 @@
     <p:sldId id="257" r:id="rId3"/>
     <p:sldId id="258" r:id="rId4"/>
     <p:sldId id="259" r:id="rId5"/>
+    <p:sldId id="260" r:id="rId6"/>
   </p:sldIdLst>
   <p:sldSz cx="12192000" cy="6858000"/>
   <p:notesSz cx="6858000" cy="9144000"/>
@@ -118,7 +119,7 @@
 <file path=ppt/revisionInfo.xml><?xml version="1.0" encoding="utf-8"?>
 <p1510:revInfo xmlns:a="http://schemas.openxmlformats.org/drawingml/2006/main" xmlns:r="http://schemas.openxmlformats.org/officeDocument/2006/relationships" xmlns:p1510="http://schemas.microsoft.com/office/powerpoint/2015/10/main">
   <p1510:revLst>
-    <p1510:client id="{C47FE46C-1307-1B4D-BF2F-8AD7D9D8AA4E}" v="4" dt="2019-10-01T16:15:21.315"/>
+    <p1510:client id="{C47FE46C-1307-1B4D-BF2F-8AD7D9D8AA4E}" v="8" dt="2019-10-01T18:07:24.864"/>
   </p1510:revLst>
 </p1510:revInfo>
 </file>
@@ -128,7 +129,7 @@
   <pc:docChgLst>
     <pc:chgData name="CASTELLANOS CISNEROS, MIRIAM" userId="cc3e60e2-d848-4d5e-915b-29679e0a3e96" providerId="ADAL" clId="{C47FE46C-1307-1B4D-BF2F-8AD7D9D8AA4E}"/>
     <pc:docChg chg="custSel mod addSld modSld">
-      <pc:chgData name="CASTELLANOS CISNEROS, MIRIAM" userId="cc3e60e2-d848-4d5e-915b-29679e0a3e96" providerId="ADAL" clId="{C47FE46C-1307-1B4D-BF2F-8AD7D9D8AA4E}" dt="2019-10-01T16:26:23.237" v="81" actId="20577"/>
+      <pc:chgData name="CASTELLANOS CISNEROS, MIRIAM" userId="cc3e60e2-d848-4d5e-915b-29679e0a3e96" providerId="ADAL" clId="{C47FE46C-1307-1B4D-BF2F-8AD7D9D8AA4E}" dt="2019-10-01T18:07:34.241" v="191" actId="26606"/>
       <pc:docMkLst>
         <pc:docMk/>
       </pc:docMkLst>
@@ -218,20 +219,131 @@
           </ac:picMkLst>
         </pc:picChg>
       </pc:sldChg>
-      <pc:sldChg chg="modSp add">
-        <pc:chgData name="CASTELLANOS CISNEROS, MIRIAM" userId="cc3e60e2-d848-4d5e-915b-29679e0a3e96" providerId="ADAL" clId="{C47FE46C-1307-1B4D-BF2F-8AD7D9D8AA4E}" dt="2019-10-01T16:26:23.237" v="81" actId="20577"/>
+      <pc:sldChg chg="addSp delSp modSp add mod setBg setClrOvrMap">
+        <pc:chgData name="CASTELLANOS CISNEROS, MIRIAM" userId="cc3e60e2-d848-4d5e-915b-29679e0a3e96" providerId="ADAL" clId="{C47FE46C-1307-1B4D-BF2F-8AD7D9D8AA4E}" dt="2019-10-01T17:09:21.096" v="156" actId="26606"/>
         <pc:sldMkLst>
           <pc:docMk/>
           <pc:sldMk cId="463848785" sldId="259"/>
         </pc:sldMkLst>
         <pc:spChg chg="mod">
-          <ac:chgData name="CASTELLANOS CISNEROS, MIRIAM" userId="cc3e60e2-d848-4d5e-915b-29679e0a3e96" providerId="ADAL" clId="{C47FE46C-1307-1B4D-BF2F-8AD7D9D8AA4E}" dt="2019-10-01T16:26:23.237" v="81" actId="20577"/>
+          <ac:chgData name="CASTELLANOS CISNEROS, MIRIAM" userId="cc3e60e2-d848-4d5e-915b-29679e0a3e96" providerId="ADAL" clId="{C47FE46C-1307-1B4D-BF2F-8AD7D9D8AA4E}" dt="2019-10-01T17:09:21.096" v="156" actId="26606"/>
           <ac:spMkLst>
             <pc:docMk/>
             <pc:sldMk cId="463848785" sldId="259"/>
             <ac:spMk id="2" creationId="{8E5AAC4A-2F72-8443-9E15-287E2DA049EB}"/>
           </ac:spMkLst>
         </pc:spChg>
+        <pc:spChg chg="del">
+          <ac:chgData name="CASTELLANOS CISNEROS, MIRIAM" userId="cc3e60e2-d848-4d5e-915b-29679e0a3e96" providerId="ADAL" clId="{C47FE46C-1307-1B4D-BF2F-8AD7D9D8AA4E}" dt="2019-10-01T17:09:16.597" v="154" actId="931"/>
+          <ac:spMkLst>
+            <pc:docMk/>
+            <pc:sldMk cId="463848785" sldId="259"/>
+            <ac:spMk id="3" creationId="{845785A9-44AE-7044-9661-CB05DB1D1DF9}"/>
+          </ac:spMkLst>
+        </pc:spChg>
+        <pc:spChg chg="add">
+          <ac:chgData name="CASTELLANOS CISNEROS, MIRIAM" userId="cc3e60e2-d848-4d5e-915b-29679e0a3e96" providerId="ADAL" clId="{C47FE46C-1307-1B4D-BF2F-8AD7D9D8AA4E}" dt="2019-10-01T17:09:21.096" v="156" actId="26606"/>
+          <ac:spMkLst>
+            <pc:docMk/>
+            <pc:sldMk cId="463848785" sldId="259"/>
+            <ac:spMk id="10" creationId="{133F8CB7-795C-4272-9073-64D8CF97F220}"/>
+          </ac:spMkLst>
+        </pc:spChg>
+        <pc:spChg chg="add">
+          <ac:chgData name="CASTELLANOS CISNEROS, MIRIAM" userId="cc3e60e2-d848-4d5e-915b-29679e0a3e96" providerId="ADAL" clId="{C47FE46C-1307-1B4D-BF2F-8AD7D9D8AA4E}" dt="2019-10-01T17:09:21.096" v="156" actId="26606"/>
+          <ac:spMkLst>
+            <pc:docMk/>
+            <pc:sldMk cId="463848785" sldId="259"/>
+            <ac:spMk id="12" creationId="{79277119-B941-4A45-9322-FA2BC135DE62}"/>
+          </ac:spMkLst>
+        </pc:spChg>
+        <pc:spChg chg="add">
+          <ac:chgData name="CASTELLANOS CISNEROS, MIRIAM" userId="cc3e60e2-d848-4d5e-915b-29679e0a3e96" providerId="ADAL" clId="{C47FE46C-1307-1B4D-BF2F-8AD7D9D8AA4E}" dt="2019-10-01T17:09:21.096" v="156" actId="26606"/>
+          <ac:spMkLst>
+            <pc:docMk/>
+            <pc:sldMk cId="463848785" sldId="259"/>
+            <ac:spMk id="14" creationId="{DFDB457D-F372-428B-A10D-41080EF9382A}"/>
+          </ac:spMkLst>
+        </pc:spChg>
+        <pc:picChg chg="add mod">
+          <ac:chgData name="CASTELLANOS CISNEROS, MIRIAM" userId="cc3e60e2-d848-4d5e-915b-29679e0a3e96" providerId="ADAL" clId="{C47FE46C-1307-1B4D-BF2F-8AD7D9D8AA4E}" dt="2019-10-01T17:09:21.096" v="156" actId="26606"/>
+          <ac:picMkLst>
+            <pc:docMk/>
+            <pc:sldMk cId="463848785" sldId="259"/>
+            <ac:picMk id="5" creationId="{B9F1BE26-B497-634E-8F85-AF75E2810F9D}"/>
+          </ac:picMkLst>
+        </pc:picChg>
+      </pc:sldChg>
+      <pc:sldChg chg="addSp delSp modSp add mod setBg setClrOvrMap">
+        <pc:chgData name="CASTELLANOS CISNEROS, MIRIAM" userId="cc3e60e2-d848-4d5e-915b-29679e0a3e96" providerId="ADAL" clId="{C47FE46C-1307-1B4D-BF2F-8AD7D9D8AA4E}" dt="2019-10-01T18:07:34.241" v="191" actId="26606"/>
+        <pc:sldMkLst>
+          <pc:docMk/>
+          <pc:sldMk cId="1626867466" sldId="260"/>
+        </pc:sldMkLst>
+        <pc:spChg chg="mod">
+          <ac:chgData name="CASTELLANOS CISNEROS, MIRIAM" userId="cc3e60e2-d848-4d5e-915b-29679e0a3e96" providerId="ADAL" clId="{C47FE46C-1307-1B4D-BF2F-8AD7D9D8AA4E}" dt="2019-10-01T18:07:34.241" v="191" actId="26606"/>
+          <ac:spMkLst>
+            <pc:docMk/>
+            <pc:sldMk cId="1626867466" sldId="260"/>
+            <ac:spMk id="2" creationId="{C281CFDF-B1B7-5A41-A63F-D7E0C2D1B04B}"/>
+          </ac:spMkLst>
+        </pc:spChg>
+        <pc:spChg chg="del">
+          <ac:chgData name="CASTELLANOS CISNEROS, MIRIAM" userId="cc3e60e2-d848-4d5e-915b-29679e0a3e96" providerId="ADAL" clId="{C47FE46C-1307-1B4D-BF2F-8AD7D9D8AA4E}" dt="2019-10-01T17:10:19.454" v="158" actId="931"/>
+          <ac:spMkLst>
+            <pc:docMk/>
+            <pc:sldMk cId="1626867466" sldId="260"/>
+            <ac:spMk id="3" creationId="{CE79B4CB-97D9-6D41-8A98-7B68DA51C05E}"/>
+          </ac:spMkLst>
+        </pc:spChg>
+        <pc:spChg chg="add del mod">
+          <ac:chgData name="CASTELLANOS CISNEROS, MIRIAM" userId="cc3e60e2-d848-4d5e-915b-29679e0a3e96" providerId="ADAL" clId="{C47FE46C-1307-1B4D-BF2F-8AD7D9D8AA4E}" dt="2019-10-01T18:07:24.864" v="190" actId="931"/>
+          <ac:spMkLst>
+            <pc:docMk/>
+            <pc:sldMk cId="1626867466" sldId="260"/>
+            <ac:spMk id="7" creationId="{093B3153-E3AA-7944-BDC8-FCF4263AD890}"/>
+          </ac:spMkLst>
+        </pc:spChg>
+        <pc:spChg chg="add">
+          <ac:chgData name="CASTELLANOS CISNEROS, MIRIAM" userId="cc3e60e2-d848-4d5e-915b-29679e0a3e96" providerId="ADAL" clId="{C47FE46C-1307-1B4D-BF2F-8AD7D9D8AA4E}" dt="2019-10-01T18:07:34.241" v="191" actId="26606"/>
+          <ac:spMkLst>
+            <pc:docMk/>
+            <pc:sldMk cId="1626867466" sldId="260"/>
+            <ac:spMk id="14" creationId="{133F8CB7-795C-4272-9073-64D8CF97F220}"/>
+          </ac:spMkLst>
+        </pc:spChg>
+        <pc:spChg chg="add">
+          <ac:chgData name="CASTELLANOS CISNEROS, MIRIAM" userId="cc3e60e2-d848-4d5e-915b-29679e0a3e96" providerId="ADAL" clId="{C47FE46C-1307-1B4D-BF2F-8AD7D9D8AA4E}" dt="2019-10-01T18:07:34.241" v="191" actId="26606"/>
+          <ac:spMkLst>
+            <pc:docMk/>
+            <pc:sldMk cId="1626867466" sldId="260"/>
+            <ac:spMk id="16" creationId="{79277119-B941-4A45-9322-FA2BC135DE62}"/>
+          </ac:spMkLst>
+        </pc:spChg>
+        <pc:spChg chg="add">
+          <ac:chgData name="CASTELLANOS CISNEROS, MIRIAM" userId="cc3e60e2-d848-4d5e-915b-29679e0a3e96" providerId="ADAL" clId="{C47FE46C-1307-1B4D-BF2F-8AD7D9D8AA4E}" dt="2019-10-01T18:07:34.241" v="191" actId="26606"/>
+          <ac:spMkLst>
+            <pc:docMk/>
+            <pc:sldMk cId="1626867466" sldId="260"/>
+            <ac:spMk id="18" creationId="{DFDB457D-F372-428B-A10D-41080EF9382A}"/>
+          </ac:spMkLst>
+        </pc:spChg>
+        <pc:picChg chg="add del mod">
+          <ac:chgData name="CASTELLANOS CISNEROS, MIRIAM" userId="cc3e60e2-d848-4d5e-915b-29679e0a3e96" providerId="ADAL" clId="{C47FE46C-1307-1B4D-BF2F-8AD7D9D8AA4E}" dt="2019-10-01T18:07:13.159" v="189" actId="478"/>
+          <ac:picMkLst>
+            <pc:docMk/>
+            <pc:sldMk cId="1626867466" sldId="260"/>
+            <ac:picMk id="5" creationId="{300429C3-6BCD-9043-987E-E00E47862928}"/>
+          </ac:picMkLst>
+        </pc:picChg>
+        <pc:picChg chg="add mod">
+          <ac:chgData name="CASTELLANOS CISNEROS, MIRIAM" userId="cc3e60e2-d848-4d5e-915b-29679e0a3e96" providerId="ADAL" clId="{C47FE46C-1307-1B4D-BF2F-8AD7D9D8AA4E}" dt="2019-10-01T18:07:34.241" v="191" actId="26606"/>
+          <ac:picMkLst>
+            <pc:docMk/>
+            <pc:sldMk cId="1626867466" sldId="260"/>
+            <ac:picMk id="9" creationId="{97B327A3-1DB2-EC47-AF84-F813EC12CAD6}"/>
+          </ac:picMkLst>
+        </pc:picChg>
       </pc:sldChg>
     </pc:docChg>
   </pc:docChgLst>
@@ -6152,6 +6264,14 @@
 <file path=ppt/slides/slide4.xml><?xml version="1.0" encoding="utf-8"?>
 <p:sld xmlns:a="http://schemas.openxmlformats.org/drawingml/2006/main" xmlns:r="http://schemas.openxmlformats.org/officeDocument/2006/relationships" xmlns:p="http://schemas.openxmlformats.org/presentationml/2006/main">
   <p:cSld>
+    <p:bg>
+      <p:bgPr>
+        <a:solidFill>
+          <a:schemeClr val="bg1"/>
+        </a:solidFill>
+        <a:effectLst/>
+      </p:bgPr>
+    </p:bg>
     <p:spTree>
       <p:nvGrpSpPr>
         <p:cNvPr id="1" name=""/>
@@ -6168,6 +6288,397 @@
       </p:grpSpPr>
       <p:sp>
         <p:nvSpPr>
+          <p:cNvPr id="10" name="Freeform 6">
+            <a:extLst>
+              <a:ext uri="{FF2B5EF4-FFF2-40B4-BE49-F238E27FC236}">
+                <a16:creationId xmlns:a16="http://schemas.microsoft.com/office/drawing/2014/main" id="{133F8CB7-795C-4272-9073-64D8CF97F220}"/>
+              </a:ext>
+              <a:ext uri="{C183D7F6-B498-43B3-948B-1728B52AA6E4}">
+                <adec:decorative xmlns:adec="http://schemas.microsoft.com/office/drawing/2017/decorative" val="1"/>
+              </a:ext>
+            </a:extLst>
+          </p:cNvPr>
+          <p:cNvSpPr>
+            <a:spLocks noGrp="1" noRot="1" noChangeAspect="1" noMove="1" noResize="1" noEditPoints="1" noAdjustHandles="1" noChangeArrowheads="1" noChangeShapeType="1" noTextEdit="1"/>
+          </p:cNvSpPr>
+          <p:nvPr>
+            <p:extLst>
+              <p:ext uri="{386F3935-93C4-4BCD-93E2-E3B085C9AB24}">
+                <p16:designElem xmlns:p16="http://schemas.microsoft.com/office/powerpoint/2015/main" val="1"/>
+              </p:ext>
+            </p:extLst>
+          </p:nvPr>
+        </p:nvSpPr>
+        <p:spPr bwMode="auto">
+          <a:xfrm>
+            <a:off x="0" y="-3175"/>
+            <a:ext cx="12192000" cy="5203825"/>
+          </a:xfrm>
+          <a:custGeom>
+            <a:avLst/>
+            <a:gdLst/>
+            <a:ahLst/>
+            <a:cxnLst/>
+            <a:rect l="0" t="0" r="r" b="b"/>
+            <a:pathLst>
+              <a:path w="5760" h="3278">
+                <a:moveTo>
+                  <a:pt x="5760" y="0"/>
+                </a:moveTo>
+                <a:lnTo>
+                  <a:pt x="0" y="0"/>
+                </a:lnTo>
+                <a:lnTo>
+                  <a:pt x="0" y="3090"/>
+                </a:lnTo>
+                <a:lnTo>
+                  <a:pt x="943" y="3090"/>
+                </a:lnTo>
+                <a:lnTo>
+                  <a:pt x="1123" y="3270"/>
+                </a:lnTo>
+                <a:lnTo>
+                  <a:pt x="1123" y="3270"/>
+                </a:lnTo>
+                <a:lnTo>
+                  <a:pt x="1127" y="3272"/>
+                </a:lnTo>
+                <a:lnTo>
+                  <a:pt x="1133" y="3275"/>
+                </a:lnTo>
+                <a:lnTo>
+                  <a:pt x="1139" y="3278"/>
+                </a:lnTo>
+                <a:lnTo>
+                  <a:pt x="1144" y="3278"/>
+                </a:lnTo>
+                <a:lnTo>
+                  <a:pt x="1150" y="3278"/>
+                </a:lnTo>
+                <a:lnTo>
+                  <a:pt x="1155" y="3275"/>
+                </a:lnTo>
+                <a:lnTo>
+                  <a:pt x="1161" y="3272"/>
+                </a:lnTo>
+                <a:lnTo>
+                  <a:pt x="1165" y="3270"/>
+                </a:lnTo>
+                <a:lnTo>
+                  <a:pt x="1345" y="3090"/>
+                </a:lnTo>
+                <a:lnTo>
+                  <a:pt x="5760" y="3090"/>
+                </a:lnTo>
+                <a:lnTo>
+                  <a:pt x="5760" y="0"/>
+                </a:lnTo>
+                <a:close/>
+              </a:path>
+            </a:pathLst>
+          </a:custGeom>
+          <a:ln/>
+          <a:effectLst/>
+          <a:extLst>
+            <a:ext uri="{91240B29-F687-4f45-9708-019B960494DF}">
+              <a14:hiddenLine xmlns="" xmlns:a16="http://schemas.microsoft.com/office/drawing/2014/main" xmlns:p14="http://schemas.microsoft.com/office/powerpoint/2010/main" xmlns:a14="http://schemas.microsoft.com/office/drawing/2010/main" w="9525">
+                <a:solidFill>
+                  <a:srgbClr val="000000"/>
+                </a:solidFill>
+                <a:round/>
+                <a:headEnd/>
+                <a:tailEnd/>
+              </a14:hiddenLine>
+            </a:ext>
+          </a:extLst>
+        </p:spPr>
+        <p:style>
+          <a:lnRef idx="1">
+            <a:schemeClr val="accent1"/>
+          </a:lnRef>
+          <a:fillRef idx="3">
+            <a:schemeClr val="accent1"/>
+          </a:fillRef>
+          <a:effectRef idx="2">
+            <a:schemeClr val="accent1"/>
+          </a:effectRef>
+          <a:fontRef idx="minor">
+            <a:schemeClr val="lt1"/>
+          </a:fontRef>
+        </p:style>
+      </p:sp>
+      <p:sp>
+        <p:nvSpPr>
+          <p:cNvPr id="12" name="Rectangle 11">
+            <a:extLst>
+              <a:ext uri="{FF2B5EF4-FFF2-40B4-BE49-F238E27FC236}">
+                <a16:creationId xmlns:a16="http://schemas.microsoft.com/office/drawing/2014/main" id="{79277119-B941-4A45-9322-FA2BC135DE62}"/>
+              </a:ext>
+              <a:ext uri="{C183D7F6-B498-43B3-948B-1728B52AA6E4}">
+                <adec:decorative xmlns:adec="http://schemas.microsoft.com/office/drawing/2017/decorative" val="1"/>
+              </a:ext>
+            </a:extLst>
+          </p:cNvPr>
+          <p:cNvSpPr>
+            <a:spLocks noGrp="1" noRot="1" noChangeAspect="1" noMove="1" noResize="1" noEditPoints="1" noAdjustHandles="1" noChangeArrowheads="1" noChangeShapeType="1" noTextEdit="1"/>
+          </p:cNvSpPr>
+          <p:nvPr>
+            <p:extLst>
+              <p:ext uri="{386F3935-93C4-4BCD-93E2-E3B085C9AB24}">
+                <p16:designElem xmlns:p16="http://schemas.microsoft.com/office/powerpoint/2015/main" val="1"/>
+              </p:ext>
+            </p:extLst>
+          </p:nvPr>
+        </p:nvSpPr>
+        <p:spPr>
+          <a:xfrm>
+            <a:off x="0" y="0"/>
+            <a:ext cx="12192000" cy="6858000"/>
+          </a:xfrm>
+          <a:prstGeom prst="rect">
+            <a:avLst/>
+          </a:prstGeom>
+          <a:solidFill>
+            <a:schemeClr val="bg1"/>
+          </a:solidFill>
+          <a:ln>
+            <a:noFill/>
+          </a:ln>
+        </p:spPr>
+        <p:style>
+          <a:lnRef idx="2">
+            <a:schemeClr val="accent1">
+              <a:shade val="50000"/>
+            </a:schemeClr>
+          </a:lnRef>
+          <a:fillRef idx="1">
+            <a:schemeClr val="accent1"/>
+          </a:fillRef>
+          <a:effectRef idx="0">
+            <a:schemeClr val="accent1"/>
+          </a:effectRef>
+          <a:fontRef idx="minor">
+            <a:schemeClr val="lt1"/>
+          </a:fontRef>
+        </p:style>
+        <p:txBody>
+          <a:bodyPr rtlCol="0" anchor="ctr"/>
+          <a:lstStyle/>
+          <a:p>
+            <a:pPr algn="ctr"/>
+            <a:endParaRPr lang="en-US"/>
+          </a:p>
+        </p:txBody>
+      </p:sp>
+      <p:sp>
+        <p:nvSpPr>
+          <p:cNvPr id="14" name="Freeform 23">
+            <a:extLst>
+              <a:ext uri="{FF2B5EF4-FFF2-40B4-BE49-F238E27FC236}">
+                <a16:creationId xmlns:a16="http://schemas.microsoft.com/office/drawing/2014/main" id="{DFDB457D-F372-428B-A10D-41080EF9382A}"/>
+              </a:ext>
+              <a:ext uri="{C183D7F6-B498-43B3-948B-1728B52AA6E4}">
+                <adec:decorative xmlns:adec="http://schemas.microsoft.com/office/drawing/2017/decorative" val="1"/>
+              </a:ext>
+            </a:extLst>
+          </p:cNvPr>
+          <p:cNvSpPr>
+            <a:spLocks noGrp="1" noRot="1" noChangeAspect="1" noMove="1" noResize="1" noEditPoints="1" noAdjustHandles="1" noChangeArrowheads="1" noChangeShapeType="1" noTextEdit="1"/>
+          </p:cNvSpPr>
+          <p:nvPr>
+            <p:extLst>
+              <p:ext uri="{386F3935-93C4-4BCD-93E2-E3B085C9AB24}">
+                <p16:designElem xmlns:p16="http://schemas.microsoft.com/office/powerpoint/2015/main" val="1"/>
+              </p:ext>
+            </p:extLst>
+          </p:nvPr>
+        </p:nvSpPr>
+        <p:spPr bwMode="white">
+          <a:xfrm flipH="1">
+            <a:off x="7554995" y="0"/>
+            <a:ext cx="4637005" cy="6858000"/>
+          </a:xfrm>
+          <a:custGeom>
+            <a:avLst/>
+            <a:gdLst>
+              <a:gd name="connsiteX0" fmla="*/ 0 w 4637005"/>
+              <a:gd name="connsiteY0" fmla="*/ 0 h 6858000"/>
+              <a:gd name="connsiteX1" fmla="*/ 4637005 w 4637005"/>
+              <a:gd name="connsiteY1" fmla="*/ 0 h 6858000"/>
+              <a:gd name="connsiteX2" fmla="*/ 4637005 w 4637005"/>
+              <a:gd name="connsiteY2" fmla="*/ 1900238 h 6858000"/>
+              <a:gd name="connsiteX3" fmla="*/ 4266589 w 4637005"/>
+              <a:gd name="connsiteY3" fmla="*/ 2178050 h 6858000"/>
+              <a:gd name="connsiteX4" fmla="*/ 4262355 w 4637005"/>
+              <a:gd name="connsiteY4" fmla="*/ 2184400 h 6858000"/>
+              <a:gd name="connsiteX5" fmla="*/ 4256005 w 4637005"/>
+              <a:gd name="connsiteY5" fmla="*/ 2193925 h 6858000"/>
+              <a:gd name="connsiteX6" fmla="*/ 4249655 w 4637005"/>
+              <a:gd name="connsiteY6" fmla="*/ 2201863 h 6858000"/>
+              <a:gd name="connsiteX7" fmla="*/ 4249655 w 4637005"/>
+              <a:gd name="connsiteY7" fmla="*/ 2211388 h 6858000"/>
+              <a:gd name="connsiteX8" fmla="*/ 4249655 w 4637005"/>
+              <a:gd name="connsiteY8" fmla="*/ 2220913 h 6858000"/>
+              <a:gd name="connsiteX9" fmla="*/ 4256005 w 4637005"/>
+              <a:gd name="connsiteY9" fmla="*/ 2228850 h 6858000"/>
+              <a:gd name="connsiteX10" fmla="*/ 4262355 w 4637005"/>
+              <a:gd name="connsiteY10" fmla="*/ 2238375 h 6858000"/>
+              <a:gd name="connsiteX11" fmla="*/ 4266589 w 4637005"/>
+              <a:gd name="connsiteY11" fmla="*/ 2244725 h 6858000"/>
+              <a:gd name="connsiteX12" fmla="*/ 4637005 w 4637005"/>
+              <a:gd name="connsiteY12" fmla="*/ 2522538 h 6858000"/>
+              <a:gd name="connsiteX13" fmla="*/ 4637005 w 4637005"/>
+              <a:gd name="connsiteY13" fmla="*/ 6858000 h 6858000"/>
+              <a:gd name="connsiteX14" fmla="*/ 0 w 4637005"/>
+              <a:gd name="connsiteY14" fmla="*/ 6858000 h 6858000"/>
+            </a:gdLst>
+            <a:ahLst/>
+            <a:cxnLst>
+              <a:cxn ang="0">
+                <a:pos x="connsiteX0" y="connsiteY0"/>
+              </a:cxn>
+              <a:cxn ang="0">
+                <a:pos x="connsiteX1" y="connsiteY1"/>
+              </a:cxn>
+              <a:cxn ang="0">
+                <a:pos x="connsiteX2" y="connsiteY2"/>
+              </a:cxn>
+              <a:cxn ang="0">
+                <a:pos x="connsiteX3" y="connsiteY3"/>
+              </a:cxn>
+              <a:cxn ang="0">
+                <a:pos x="connsiteX4" y="connsiteY4"/>
+              </a:cxn>
+              <a:cxn ang="0">
+                <a:pos x="connsiteX5" y="connsiteY5"/>
+              </a:cxn>
+              <a:cxn ang="0">
+                <a:pos x="connsiteX6" y="connsiteY6"/>
+              </a:cxn>
+              <a:cxn ang="0">
+                <a:pos x="connsiteX7" y="connsiteY7"/>
+              </a:cxn>
+              <a:cxn ang="0">
+                <a:pos x="connsiteX8" y="connsiteY8"/>
+              </a:cxn>
+              <a:cxn ang="0">
+                <a:pos x="connsiteX9" y="connsiteY9"/>
+              </a:cxn>
+              <a:cxn ang="0">
+                <a:pos x="connsiteX10" y="connsiteY10"/>
+              </a:cxn>
+              <a:cxn ang="0">
+                <a:pos x="connsiteX11" y="connsiteY11"/>
+              </a:cxn>
+              <a:cxn ang="0">
+                <a:pos x="connsiteX12" y="connsiteY12"/>
+              </a:cxn>
+              <a:cxn ang="0">
+                <a:pos x="connsiteX13" y="connsiteY13"/>
+              </a:cxn>
+              <a:cxn ang="0">
+                <a:pos x="connsiteX14" y="connsiteY14"/>
+              </a:cxn>
+            </a:cxnLst>
+            <a:rect l="l" t="t" r="r" b="b"/>
+            <a:pathLst>
+              <a:path w="4637005" h="6858000">
+                <a:moveTo>
+                  <a:pt x="0" y="0"/>
+                </a:moveTo>
+                <a:lnTo>
+                  <a:pt x="4637005" y="0"/>
+                </a:lnTo>
+                <a:lnTo>
+                  <a:pt x="4637005" y="1900238"/>
+                </a:lnTo>
+                <a:lnTo>
+                  <a:pt x="4266589" y="2178050"/>
+                </a:lnTo>
+                <a:lnTo>
+                  <a:pt x="4262355" y="2184400"/>
+                </a:lnTo>
+                <a:lnTo>
+                  <a:pt x="4256005" y="2193925"/>
+                </a:lnTo>
+                <a:lnTo>
+                  <a:pt x="4249655" y="2201863"/>
+                </a:lnTo>
+                <a:lnTo>
+                  <a:pt x="4249655" y="2211388"/>
+                </a:lnTo>
+                <a:lnTo>
+                  <a:pt x="4249655" y="2220913"/>
+                </a:lnTo>
+                <a:lnTo>
+                  <a:pt x="4256005" y="2228850"/>
+                </a:lnTo>
+                <a:lnTo>
+                  <a:pt x="4262355" y="2238375"/>
+                </a:lnTo>
+                <a:lnTo>
+                  <a:pt x="4266589" y="2244725"/>
+                </a:lnTo>
+                <a:lnTo>
+                  <a:pt x="4637005" y="2522538"/>
+                </a:lnTo>
+                <a:lnTo>
+                  <a:pt x="4637005" y="6858000"/>
+                </a:lnTo>
+                <a:lnTo>
+                  <a:pt x="0" y="6858000"/>
+                </a:lnTo>
+                <a:close/>
+              </a:path>
+            </a:pathLst>
+          </a:custGeom>
+          <a:blipFill>
+            <a:blip r:embed="rId2">
+              <a:duotone>
+                <a:schemeClr val="accent1">
+                  <a:tint val="98000"/>
+                  <a:lumMod val="102000"/>
+                </a:schemeClr>
+                <a:schemeClr val="accent1">
+                  <a:shade val="98000"/>
+                  <a:lumMod val="98000"/>
+                </a:schemeClr>
+              </a:duotone>
+            </a:blip>
+            <a:tile tx="0" ty="0" sx="100000" sy="100000" flip="none" algn="tl"/>
+          </a:blipFill>
+          <a:ln>
+            <a:headEnd/>
+            <a:tailEnd/>
+          </a:ln>
+        </p:spPr>
+        <p:style>
+          <a:lnRef idx="1">
+            <a:schemeClr val="accent1"/>
+          </a:lnRef>
+          <a:fillRef idx="3">
+            <a:schemeClr val="accent1"/>
+          </a:fillRef>
+          <a:effectRef idx="2">
+            <a:schemeClr val="accent1"/>
+          </a:effectRef>
+          <a:fontRef idx="minor">
+            <a:schemeClr val="lt1"/>
+          </a:fontRef>
+        </p:style>
+        <p:txBody>
+          <a:bodyPr wrap="square" rtlCol="0" anchor="ctr">
+            <a:noAutofit/>
+          </a:bodyPr>
+          <a:lstStyle/>
+          <a:p>
+            <a:pPr algn="ctr"/>
+            <a:endParaRPr lang="en-US"/>
+          </a:p>
+        </p:txBody>
+      </p:sp>
+      <p:sp>
+        <p:nvSpPr>
           <p:cNvPr id="2" name="Título 1">
             <a:extLst>
               <a:ext uri="{FF2B5EF4-FFF2-40B4-BE49-F238E27FC236}">
@@ -6182,43 +6693,65 @@
             <p:ph type="title"/>
           </p:nvPr>
         </p:nvSpPr>
-        <p:spPr/>
-        <p:txBody>
-          <a:bodyPr/>
+        <p:spPr>
+          <a:xfrm>
+            <a:off x="8134349" y="1819275"/>
+            <a:ext cx="3606137" cy="4222087"/>
+          </a:xfrm>
+        </p:spPr>
+        <p:txBody>
+          <a:bodyPr vert="horz" lIns="91440" tIns="45720" rIns="91440" bIns="45720" rtlCol="0" anchor="t">
+            <a:normAutofit/>
+          </a:bodyPr>
           <a:lstStyle/>
           <a:p>
             <a:r>
-              <a:rPr lang="es-MX" dirty="0"/>
-              <a:t>Grafica	</a:t>
-            </a:r>
-          </a:p>
-        </p:txBody>
-      </p:sp>
-      <p:sp>
-        <p:nvSpPr>
-          <p:cNvPr id="3" name="Marcador de contenido 2">
+              <a:rPr lang="en-US" sz="4400"/>
+              <a:t>Definición de funciones de costo y de restricción.</a:t>
+            </a:r>
+          </a:p>
+        </p:txBody>
+      </p:sp>
+      <p:pic>
+        <p:nvPicPr>
+          <p:cNvPr id="5" name="Marcador de contenido 4">
             <a:extLst>
               <a:ext uri="{FF2B5EF4-FFF2-40B4-BE49-F238E27FC236}">
-                <a16:creationId xmlns:a16="http://schemas.microsoft.com/office/drawing/2014/main" id="{845785A9-44AE-7044-9661-CB05DB1D1DF9}"/>
+                <a16:creationId xmlns:a16="http://schemas.microsoft.com/office/drawing/2014/main" id="{B9F1BE26-B497-634E-8F85-AF75E2810F9D}"/>
               </a:ext>
             </a:extLst>
           </p:cNvPr>
-          <p:cNvSpPr>
-            <a:spLocks noGrp="1"/>
-          </p:cNvSpPr>
+          <p:cNvPicPr>
+            <a:picLocks noGrp="1" noChangeAspect="1"/>
+          </p:cNvPicPr>
           <p:nvPr>
             <p:ph idx="1"/>
           </p:nvPr>
-        </p:nvSpPr>
-        <p:spPr/>
-        <p:txBody>
-          <a:bodyPr/>
-          <a:lstStyle/>
-          <a:p>
-            <a:endParaRPr lang="es-MX"/>
-          </a:p>
-        </p:txBody>
-      </p:sp>
+        </p:nvPicPr>
+        <p:blipFill>
+          <a:blip r:embed="rId3"/>
+          <a:stretch>
+            <a:fillRect/>
+          </a:stretch>
+        </p:blipFill>
+        <p:spPr>
+          <a:xfrm>
+            <a:off x="808654" y="643467"/>
+            <a:ext cx="5937685" cy="5397896"/>
+          </a:xfrm>
+          <a:prstGeom prst="roundRect">
+            <a:avLst>
+              <a:gd name="adj" fmla="val 3876"/>
+            </a:avLst>
+          </a:prstGeom>
+          <a:ln>
+            <a:solidFill>
+              <a:schemeClr val="accent1"/>
+            </a:solidFill>
+          </a:ln>
+          <a:effectLst/>
+        </p:spPr>
+      </p:pic>
     </p:spTree>
     <p:extLst>
       <p:ext uri="{BB962C8B-B14F-4D97-AF65-F5344CB8AC3E}">
@@ -6227,7 +6760,511 @@
     </p:extLst>
   </p:cSld>
   <p:clrMapOvr>
-    <a:masterClrMapping/>
+    <a:overrideClrMapping bg1="lt1" tx1="dk1" bg2="lt2" tx2="dk2" accent1="accent1" accent2="accent2" accent3="accent3" accent4="accent4" accent5="accent5" accent6="accent6" hlink="hlink" folHlink="folHlink"/>
+  </p:clrMapOvr>
+</p:sld>
+</file>
+
+<file path=ppt/slides/slide5.xml><?xml version="1.0" encoding="utf-8"?>
+<p:sld xmlns:a="http://schemas.openxmlformats.org/drawingml/2006/main" xmlns:r="http://schemas.openxmlformats.org/officeDocument/2006/relationships" xmlns:p="http://schemas.openxmlformats.org/presentationml/2006/main">
+  <p:cSld>
+    <p:bg>
+      <p:bgPr>
+        <a:solidFill>
+          <a:schemeClr val="bg1"/>
+        </a:solidFill>
+        <a:effectLst/>
+      </p:bgPr>
+    </p:bg>
+    <p:spTree>
+      <p:nvGrpSpPr>
+        <p:cNvPr id="1" name=""/>
+        <p:cNvGrpSpPr/>
+        <p:nvPr/>
+      </p:nvGrpSpPr>
+      <p:grpSpPr>
+        <a:xfrm>
+          <a:off x="0" y="0"/>
+          <a:ext cx="0" cy="0"/>
+          <a:chOff x="0" y="0"/>
+          <a:chExt cx="0" cy="0"/>
+        </a:xfrm>
+      </p:grpSpPr>
+      <p:sp>
+        <p:nvSpPr>
+          <p:cNvPr id="14" name="Freeform 6">
+            <a:extLst>
+              <a:ext uri="{FF2B5EF4-FFF2-40B4-BE49-F238E27FC236}">
+                <a16:creationId xmlns:a16="http://schemas.microsoft.com/office/drawing/2014/main" id="{133F8CB7-795C-4272-9073-64D8CF97F220}"/>
+              </a:ext>
+              <a:ext uri="{C183D7F6-B498-43B3-948B-1728B52AA6E4}">
+                <adec:decorative xmlns:adec="http://schemas.microsoft.com/office/drawing/2017/decorative" val="1"/>
+              </a:ext>
+            </a:extLst>
+          </p:cNvPr>
+          <p:cNvSpPr>
+            <a:spLocks noGrp="1" noRot="1" noChangeAspect="1" noMove="1" noResize="1" noEditPoints="1" noAdjustHandles="1" noChangeArrowheads="1" noChangeShapeType="1" noTextEdit="1"/>
+          </p:cNvSpPr>
+          <p:nvPr>
+            <p:extLst>
+              <p:ext uri="{386F3935-93C4-4BCD-93E2-E3B085C9AB24}">
+                <p16:designElem xmlns:p16="http://schemas.microsoft.com/office/powerpoint/2015/main" val="1"/>
+              </p:ext>
+            </p:extLst>
+          </p:nvPr>
+        </p:nvSpPr>
+        <p:spPr bwMode="auto">
+          <a:xfrm>
+            <a:off x="0" y="-3175"/>
+            <a:ext cx="12192000" cy="5203825"/>
+          </a:xfrm>
+          <a:custGeom>
+            <a:avLst/>
+            <a:gdLst/>
+            <a:ahLst/>
+            <a:cxnLst/>
+            <a:rect l="0" t="0" r="r" b="b"/>
+            <a:pathLst>
+              <a:path w="5760" h="3278">
+                <a:moveTo>
+                  <a:pt x="5760" y="0"/>
+                </a:moveTo>
+                <a:lnTo>
+                  <a:pt x="0" y="0"/>
+                </a:lnTo>
+                <a:lnTo>
+                  <a:pt x="0" y="3090"/>
+                </a:lnTo>
+                <a:lnTo>
+                  <a:pt x="943" y="3090"/>
+                </a:lnTo>
+                <a:lnTo>
+                  <a:pt x="1123" y="3270"/>
+                </a:lnTo>
+                <a:lnTo>
+                  <a:pt x="1123" y="3270"/>
+                </a:lnTo>
+                <a:lnTo>
+                  <a:pt x="1127" y="3272"/>
+                </a:lnTo>
+                <a:lnTo>
+                  <a:pt x="1133" y="3275"/>
+                </a:lnTo>
+                <a:lnTo>
+                  <a:pt x="1139" y="3278"/>
+                </a:lnTo>
+                <a:lnTo>
+                  <a:pt x="1144" y="3278"/>
+                </a:lnTo>
+                <a:lnTo>
+                  <a:pt x="1150" y="3278"/>
+                </a:lnTo>
+                <a:lnTo>
+                  <a:pt x="1155" y="3275"/>
+                </a:lnTo>
+                <a:lnTo>
+                  <a:pt x="1161" y="3272"/>
+                </a:lnTo>
+                <a:lnTo>
+                  <a:pt x="1165" y="3270"/>
+                </a:lnTo>
+                <a:lnTo>
+                  <a:pt x="1345" y="3090"/>
+                </a:lnTo>
+                <a:lnTo>
+                  <a:pt x="5760" y="3090"/>
+                </a:lnTo>
+                <a:lnTo>
+                  <a:pt x="5760" y="0"/>
+                </a:lnTo>
+                <a:close/>
+              </a:path>
+            </a:pathLst>
+          </a:custGeom>
+          <a:ln/>
+          <a:effectLst/>
+          <a:extLst>
+            <a:ext uri="{91240B29-F687-4f45-9708-019B960494DF}">
+              <a14:hiddenLine xmlns="" xmlns:a16="http://schemas.microsoft.com/office/drawing/2014/main" xmlns:p14="http://schemas.microsoft.com/office/powerpoint/2010/main" xmlns:a14="http://schemas.microsoft.com/office/drawing/2010/main" w="9525">
+                <a:solidFill>
+                  <a:srgbClr val="000000"/>
+                </a:solidFill>
+                <a:round/>
+                <a:headEnd/>
+                <a:tailEnd/>
+              </a14:hiddenLine>
+            </a:ext>
+          </a:extLst>
+        </p:spPr>
+        <p:style>
+          <a:lnRef idx="1">
+            <a:schemeClr val="accent1"/>
+          </a:lnRef>
+          <a:fillRef idx="3">
+            <a:schemeClr val="accent1"/>
+          </a:fillRef>
+          <a:effectRef idx="2">
+            <a:schemeClr val="accent1"/>
+          </a:effectRef>
+          <a:fontRef idx="minor">
+            <a:schemeClr val="lt1"/>
+          </a:fontRef>
+        </p:style>
+      </p:sp>
+      <p:sp>
+        <p:nvSpPr>
+          <p:cNvPr id="16" name="Rectangle 15">
+            <a:extLst>
+              <a:ext uri="{FF2B5EF4-FFF2-40B4-BE49-F238E27FC236}">
+                <a16:creationId xmlns:a16="http://schemas.microsoft.com/office/drawing/2014/main" id="{79277119-B941-4A45-9322-FA2BC135DE62}"/>
+              </a:ext>
+              <a:ext uri="{C183D7F6-B498-43B3-948B-1728B52AA6E4}">
+                <adec:decorative xmlns:adec="http://schemas.microsoft.com/office/drawing/2017/decorative" val="1"/>
+              </a:ext>
+            </a:extLst>
+          </p:cNvPr>
+          <p:cNvSpPr>
+            <a:spLocks noGrp="1" noRot="1" noChangeAspect="1" noMove="1" noResize="1" noEditPoints="1" noAdjustHandles="1" noChangeArrowheads="1" noChangeShapeType="1" noTextEdit="1"/>
+          </p:cNvSpPr>
+          <p:nvPr>
+            <p:extLst>
+              <p:ext uri="{386F3935-93C4-4BCD-93E2-E3B085C9AB24}">
+                <p16:designElem xmlns:p16="http://schemas.microsoft.com/office/powerpoint/2015/main" val="1"/>
+              </p:ext>
+            </p:extLst>
+          </p:nvPr>
+        </p:nvSpPr>
+        <p:spPr>
+          <a:xfrm>
+            <a:off x="0" y="0"/>
+            <a:ext cx="12192000" cy="6858000"/>
+          </a:xfrm>
+          <a:prstGeom prst="rect">
+            <a:avLst/>
+          </a:prstGeom>
+          <a:solidFill>
+            <a:schemeClr val="bg1"/>
+          </a:solidFill>
+          <a:ln>
+            <a:noFill/>
+          </a:ln>
+        </p:spPr>
+        <p:style>
+          <a:lnRef idx="2">
+            <a:schemeClr val="accent1">
+              <a:shade val="50000"/>
+            </a:schemeClr>
+          </a:lnRef>
+          <a:fillRef idx="1">
+            <a:schemeClr val="accent1"/>
+          </a:fillRef>
+          <a:effectRef idx="0">
+            <a:schemeClr val="accent1"/>
+          </a:effectRef>
+          <a:fontRef idx="minor">
+            <a:schemeClr val="lt1"/>
+          </a:fontRef>
+        </p:style>
+        <p:txBody>
+          <a:bodyPr rtlCol="0" anchor="ctr"/>
+          <a:lstStyle/>
+          <a:p>
+            <a:pPr algn="ctr"/>
+            <a:endParaRPr lang="en-US"/>
+          </a:p>
+        </p:txBody>
+      </p:sp>
+      <p:sp>
+        <p:nvSpPr>
+          <p:cNvPr id="18" name="Freeform 23">
+            <a:extLst>
+              <a:ext uri="{FF2B5EF4-FFF2-40B4-BE49-F238E27FC236}">
+                <a16:creationId xmlns:a16="http://schemas.microsoft.com/office/drawing/2014/main" id="{DFDB457D-F372-428B-A10D-41080EF9382A}"/>
+              </a:ext>
+              <a:ext uri="{C183D7F6-B498-43B3-948B-1728B52AA6E4}">
+                <adec:decorative xmlns:adec="http://schemas.microsoft.com/office/drawing/2017/decorative" val="1"/>
+              </a:ext>
+            </a:extLst>
+          </p:cNvPr>
+          <p:cNvSpPr>
+            <a:spLocks noGrp="1" noRot="1" noChangeAspect="1" noMove="1" noResize="1" noEditPoints="1" noAdjustHandles="1" noChangeArrowheads="1" noChangeShapeType="1" noTextEdit="1"/>
+          </p:cNvSpPr>
+          <p:nvPr>
+            <p:extLst>
+              <p:ext uri="{386F3935-93C4-4BCD-93E2-E3B085C9AB24}">
+                <p16:designElem xmlns:p16="http://schemas.microsoft.com/office/powerpoint/2015/main" val="1"/>
+              </p:ext>
+            </p:extLst>
+          </p:nvPr>
+        </p:nvSpPr>
+        <p:spPr bwMode="white">
+          <a:xfrm flipH="1">
+            <a:off x="7554995" y="0"/>
+            <a:ext cx="4637005" cy="6858000"/>
+          </a:xfrm>
+          <a:custGeom>
+            <a:avLst/>
+            <a:gdLst>
+              <a:gd name="connsiteX0" fmla="*/ 0 w 4637005"/>
+              <a:gd name="connsiteY0" fmla="*/ 0 h 6858000"/>
+              <a:gd name="connsiteX1" fmla="*/ 4637005 w 4637005"/>
+              <a:gd name="connsiteY1" fmla="*/ 0 h 6858000"/>
+              <a:gd name="connsiteX2" fmla="*/ 4637005 w 4637005"/>
+              <a:gd name="connsiteY2" fmla="*/ 1900238 h 6858000"/>
+              <a:gd name="connsiteX3" fmla="*/ 4266589 w 4637005"/>
+              <a:gd name="connsiteY3" fmla="*/ 2178050 h 6858000"/>
+              <a:gd name="connsiteX4" fmla="*/ 4262355 w 4637005"/>
+              <a:gd name="connsiteY4" fmla="*/ 2184400 h 6858000"/>
+              <a:gd name="connsiteX5" fmla="*/ 4256005 w 4637005"/>
+              <a:gd name="connsiteY5" fmla="*/ 2193925 h 6858000"/>
+              <a:gd name="connsiteX6" fmla="*/ 4249655 w 4637005"/>
+              <a:gd name="connsiteY6" fmla="*/ 2201863 h 6858000"/>
+              <a:gd name="connsiteX7" fmla="*/ 4249655 w 4637005"/>
+              <a:gd name="connsiteY7" fmla="*/ 2211388 h 6858000"/>
+              <a:gd name="connsiteX8" fmla="*/ 4249655 w 4637005"/>
+              <a:gd name="connsiteY8" fmla="*/ 2220913 h 6858000"/>
+              <a:gd name="connsiteX9" fmla="*/ 4256005 w 4637005"/>
+              <a:gd name="connsiteY9" fmla="*/ 2228850 h 6858000"/>
+              <a:gd name="connsiteX10" fmla="*/ 4262355 w 4637005"/>
+              <a:gd name="connsiteY10" fmla="*/ 2238375 h 6858000"/>
+              <a:gd name="connsiteX11" fmla="*/ 4266589 w 4637005"/>
+              <a:gd name="connsiteY11" fmla="*/ 2244725 h 6858000"/>
+              <a:gd name="connsiteX12" fmla="*/ 4637005 w 4637005"/>
+              <a:gd name="connsiteY12" fmla="*/ 2522538 h 6858000"/>
+              <a:gd name="connsiteX13" fmla="*/ 4637005 w 4637005"/>
+              <a:gd name="connsiteY13" fmla="*/ 6858000 h 6858000"/>
+              <a:gd name="connsiteX14" fmla="*/ 0 w 4637005"/>
+              <a:gd name="connsiteY14" fmla="*/ 6858000 h 6858000"/>
+            </a:gdLst>
+            <a:ahLst/>
+            <a:cxnLst>
+              <a:cxn ang="0">
+                <a:pos x="connsiteX0" y="connsiteY0"/>
+              </a:cxn>
+              <a:cxn ang="0">
+                <a:pos x="connsiteX1" y="connsiteY1"/>
+              </a:cxn>
+              <a:cxn ang="0">
+                <a:pos x="connsiteX2" y="connsiteY2"/>
+              </a:cxn>
+              <a:cxn ang="0">
+                <a:pos x="connsiteX3" y="connsiteY3"/>
+              </a:cxn>
+              <a:cxn ang="0">
+                <a:pos x="connsiteX4" y="connsiteY4"/>
+              </a:cxn>
+              <a:cxn ang="0">
+                <a:pos x="connsiteX5" y="connsiteY5"/>
+              </a:cxn>
+              <a:cxn ang="0">
+                <a:pos x="connsiteX6" y="connsiteY6"/>
+              </a:cxn>
+              <a:cxn ang="0">
+                <a:pos x="connsiteX7" y="connsiteY7"/>
+              </a:cxn>
+              <a:cxn ang="0">
+                <a:pos x="connsiteX8" y="connsiteY8"/>
+              </a:cxn>
+              <a:cxn ang="0">
+                <a:pos x="connsiteX9" y="connsiteY9"/>
+              </a:cxn>
+              <a:cxn ang="0">
+                <a:pos x="connsiteX10" y="connsiteY10"/>
+              </a:cxn>
+              <a:cxn ang="0">
+                <a:pos x="connsiteX11" y="connsiteY11"/>
+              </a:cxn>
+              <a:cxn ang="0">
+                <a:pos x="connsiteX12" y="connsiteY12"/>
+              </a:cxn>
+              <a:cxn ang="0">
+                <a:pos x="connsiteX13" y="connsiteY13"/>
+              </a:cxn>
+              <a:cxn ang="0">
+                <a:pos x="connsiteX14" y="connsiteY14"/>
+              </a:cxn>
+            </a:cxnLst>
+            <a:rect l="l" t="t" r="r" b="b"/>
+            <a:pathLst>
+              <a:path w="4637005" h="6858000">
+                <a:moveTo>
+                  <a:pt x="0" y="0"/>
+                </a:moveTo>
+                <a:lnTo>
+                  <a:pt x="4637005" y="0"/>
+                </a:lnTo>
+                <a:lnTo>
+                  <a:pt x="4637005" y="1900238"/>
+                </a:lnTo>
+                <a:lnTo>
+                  <a:pt x="4266589" y="2178050"/>
+                </a:lnTo>
+                <a:lnTo>
+                  <a:pt x="4262355" y="2184400"/>
+                </a:lnTo>
+                <a:lnTo>
+                  <a:pt x="4256005" y="2193925"/>
+                </a:lnTo>
+                <a:lnTo>
+                  <a:pt x="4249655" y="2201863"/>
+                </a:lnTo>
+                <a:lnTo>
+                  <a:pt x="4249655" y="2211388"/>
+                </a:lnTo>
+                <a:lnTo>
+                  <a:pt x="4249655" y="2220913"/>
+                </a:lnTo>
+                <a:lnTo>
+                  <a:pt x="4256005" y="2228850"/>
+                </a:lnTo>
+                <a:lnTo>
+                  <a:pt x="4262355" y="2238375"/>
+                </a:lnTo>
+                <a:lnTo>
+                  <a:pt x="4266589" y="2244725"/>
+                </a:lnTo>
+                <a:lnTo>
+                  <a:pt x="4637005" y="2522538"/>
+                </a:lnTo>
+                <a:lnTo>
+                  <a:pt x="4637005" y="6858000"/>
+                </a:lnTo>
+                <a:lnTo>
+                  <a:pt x="0" y="6858000"/>
+                </a:lnTo>
+                <a:close/>
+              </a:path>
+            </a:pathLst>
+          </a:custGeom>
+          <a:blipFill>
+            <a:blip r:embed="rId2">
+              <a:duotone>
+                <a:schemeClr val="accent1">
+                  <a:tint val="98000"/>
+                  <a:lumMod val="102000"/>
+                </a:schemeClr>
+                <a:schemeClr val="accent1">
+                  <a:shade val="98000"/>
+                  <a:lumMod val="98000"/>
+                </a:schemeClr>
+              </a:duotone>
+            </a:blip>
+            <a:tile tx="0" ty="0" sx="100000" sy="100000" flip="none" algn="tl"/>
+          </a:blipFill>
+          <a:ln>
+            <a:headEnd/>
+            <a:tailEnd/>
+          </a:ln>
+        </p:spPr>
+        <p:style>
+          <a:lnRef idx="1">
+            <a:schemeClr val="accent1"/>
+          </a:lnRef>
+          <a:fillRef idx="3">
+            <a:schemeClr val="accent1"/>
+          </a:fillRef>
+          <a:effectRef idx="2">
+            <a:schemeClr val="accent1"/>
+          </a:effectRef>
+          <a:fontRef idx="minor">
+            <a:schemeClr val="lt1"/>
+          </a:fontRef>
+        </p:style>
+        <p:txBody>
+          <a:bodyPr wrap="square" rtlCol="0" anchor="ctr">
+            <a:noAutofit/>
+          </a:bodyPr>
+          <a:lstStyle/>
+          <a:p>
+            <a:pPr algn="ctr"/>
+            <a:endParaRPr lang="en-US"/>
+          </a:p>
+        </p:txBody>
+      </p:sp>
+      <p:sp>
+        <p:nvSpPr>
+          <p:cNvPr id="2" name="Título 1">
+            <a:extLst>
+              <a:ext uri="{FF2B5EF4-FFF2-40B4-BE49-F238E27FC236}">
+                <a16:creationId xmlns:a16="http://schemas.microsoft.com/office/drawing/2014/main" id="{C281CFDF-B1B7-5A41-A63F-D7E0C2D1B04B}"/>
+              </a:ext>
+            </a:extLst>
+          </p:cNvPr>
+          <p:cNvSpPr>
+            <a:spLocks noGrp="1"/>
+          </p:cNvSpPr>
+          <p:nvPr>
+            <p:ph type="title"/>
+          </p:nvPr>
+        </p:nvSpPr>
+        <p:spPr>
+          <a:xfrm>
+            <a:off x="8134349" y="1819275"/>
+            <a:ext cx="3606137" cy="4222087"/>
+          </a:xfrm>
+        </p:spPr>
+        <p:txBody>
+          <a:bodyPr vert="horz" lIns="91440" tIns="45720" rIns="91440" bIns="45720" rtlCol="0" anchor="t">
+            <a:normAutofit/>
+          </a:bodyPr>
+          <a:lstStyle/>
+          <a:p>
+            <a:r>
+              <a:rPr lang="en-US" sz="4400"/>
+              <a:t>Graficando.</a:t>
+            </a:r>
+          </a:p>
+        </p:txBody>
+      </p:sp>
+      <p:pic>
+        <p:nvPicPr>
+          <p:cNvPr id="9" name="Marcador de contenido 8">
+            <a:extLst>
+              <a:ext uri="{FF2B5EF4-FFF2-40B4-BE49-F238E27FC236}">
+                <a16:creationId xmlns:a16="http://schemas.microsoft.com/office/drawing/2014/main" id="{97B327A3-1DB2-EC47-AF84-F813EC12CAD6}"/>
+              </a:ext>
+            </a:extLst>
+          </p:cNvPr>
+          <p:cNvPicPr>
+            <a:picLocks noGrp="1" noChangeAspect="1"/>
+          </p:cNvPicPr>
+          <p:nvPr>
+            <p:ph idx="1"/>
+          </p:nvPr>
+        </p:nvPicPr>
+        <p:blipFill>
+          <a:blip r:embed="rId3"/>
+          <a:stretch>
+            <a:fillRect/>
+          </a:stretch>
+        </p:blipFill>
+        <p:spPr>
+          <a:xfrm>
+            <a:off x="1166265" y="643467"/>
+            <a:ext cx="5222464" cy="5397896"/>
+          </a:xfrm>
+          <a:prstGeom prst="roundRect">
+            <a:avLst>
+              <a:gd name="adj" fmla="val 3876"/>
+            </a:avLst>
+          </a:prstGeom>
+          <a:ln>
+            <a:solidFill>
+              <a:schemeClr val="accent1"/>
+            </a:solidFill>
+          </a:ln>
+          <a:effectLst/>
+        </p:spPr>
+      </p:pic>
+    </p:spTree>
+    <p:extLst>
+      <p:ext uri="{BB962C8B-B14F-4D97-AF65-F5344CB8AC3E}">
+        <p14:creationId xmlns:p14="http://schemas.microsoft.com/office/powerpoint/2010/main" val="1626867466"/>
+      </p:ext>
+    </p:extLst>
+  </p:cSld>
+  <p:clrMapOvr>
+    <a:overrideClrMapping bg1="lt1" tx1="dk1" bg2="lt2" tx2="dk2" accent1="accent1" accent2="accent2" accent3="accent3" accent4="accent4" accent5="accent5" accent6="accent6" hlink="hlink" folHlink="folHlink"/>
   </p:clrMapOvr>
 </p:sld>
 </file>

--- a/Presentación proyecto modulo 1.pptx
+++ b/Presentación proyecto modulo 1.pptx
@@ -6,10 +6,13 @@
   </p:sldMasterIdLst>
   <p:sldIdLst>
     <p:sldId id="256" r:id="rId2"/>
-    <p:sldId id="257" r:id="rId3"/>
-    <p:sldId id="258" r:id="rId4"/>
-    <p:sldId id="259" r:id="rId5"/>
-    <p:sldId id="260" r:id="rId6"/>
+    <p:sldId id="263" r:id="rId3"/>
+    <p:sldId id="257" r:id="rId4"/>
+    <p:sldId id="258" r:id="rId5"/>
+    <p:sldId id="262" r:id="rId6"/>
+    <p:sldId id="259" r:id="rId7"/>
+    <p:sldId id="260" r:id="rId8"/>
+    <p:sldId id="261" r:id="rId9"/>
   </p:sldIdLst>
   <p:sldSz cx="12192000" cy="6858000"/>
   <p:notesSz cx="6858000" cy="9144000"/>
@@ -119,7 +122,7 @@
 <file path=ppt/revisionInfo.xml><?xml version="1.0" encoding="utf-8"?>
 <p1510:revInfo xmlns:a="http://schemas.openxmlformats.org/drawingml/2006/main" xmlns:r="http://schemas.openxmlformats.org/officeDocument/2006/relationships" xmlns:p1510="http://schemas.microsoft.com/office/powerpoint/2015/10/main">
   <p1510:revLst>
-    <p1510:client id="{C47FE46C-1307-1B4D-BF2F-8AD7D9D8AA4E}" v="8" dt="2019-10-01T18:07:24.864"/>
+    <p1510:client id="{C47FE46C-1307-1B4D-BF2F-8AD7D9D8AA4E}" v="16" dt="2019-10-01T18:14:48.219"/>
   </p1510:revLst>
 </p1510:revInfo>
 </file>
@@ -129,7 +132,7 @@
   <pc:docChgLst>
     <pc:chgData name="CASTELLANOS CISNEROS, MIRIAM" userId="cc3e60e2-d848-4d5e-915b-29679e0a3e96" providerId="ADAL" clId="{C47FE46C-1307-1B4D-BF2F-8AD7D9D8AA4E}"/>
     <pc:docChg chg="custSel mod addSld modSld">
-      <pc:chgData name="CASTELLANOS CISNEROS, MIRIAM" userId="cc3e60e2-d848-4d5e-915b-29679e0a3e96" providerId="ADAL" clId="{C47FE46C-1307-1B4D-BF2F-8AD7D9D8AA4E}" dt="2019-10-01T18:07:34.241" v="191" actId="26606"/>
+      <pc:chgData name="CASTELLANOS CISNEROS, MIRIAM" userId="cc3e60e2-d848-4d5e-915b-29679e0a3e96" providerId="ADAL" clId="{C47FE46C-1307-1B4D-BF2F-8AD7D9D8AA4E}" dt="2019-10-01T18:19:47.893" v="1069" actId="20577"/>
       <pc:docMkLst>
         <pc:docMk/>
       </pc:docMkLst>
@@ -344,6 +347,91 @@
             <ac:picMk id="9" creationId="{97B327A3-1DB2-EC47-AF84-F813EC12CAD6}"/>
           </ac:picMkLst>
         </pc:picChg>
+      </pc:sldChg>
+      <pc:sldChg chg="addSp delSp modSp add">
+        <pc:chgData name="CASTELLANOS CISNEROS, MIRIAM" userId="cc3e60e2-d848-4d5e-915b-29679e0a3e96" providerId="ADAL" clId="{C47FE46C-1307-1B4D-BF2F-8AD7D9D8AA4E}" dt="2019-10-01T18:14:45.942" v="480"/>
+        <pc:sldMkLst>
+          <pc:docMk/>
+          <pc:sldMk cId="2694682949" sldId="261"/>
+        </pc:sldMkLst>
+        <pc:spChg chg="mod">
+          <ac:chgData name="CASTELLANOS CISNEROS, MIRIAM" userId="cc3e60e2-d848-4d5e-915b-29679e0a3e96" providerId="ADAL" clId="{C47FE46C-1307-1B4D-BF2F-8AD7D9D8AA4E}" dt="2019-10-01T18:10:06.364" v="216" actId="20577"/>
+          <ac:spMkLst>
+            <pc:docMk/>
+            <pc:sldMk cId="2694682949" sldId="261"/>
+            <ac:spMk id="2" creationId="{1AD07247-DA50-3D49-B10D-C3F199AF1FFD}"/>
+          </ac:spMkLst>
+        </pc:spChg>
+        <pc:spChg chg="mod">
+          <ac:chgData name="CASTELLANOS CISNEROS, MIRIAM" userId="cc3e60e2-d848-4d5e-915b-29679e0a3e96" providerId="ADAL" clId="{C47FE46C-1307-1B4D-BF2F-8AD7D9D8AA4E}" dt="2019-10-01T18:14:42.029" v="478" actId="20577"/>
+          <ac:spMkLst>
+            <pc:docMk/>
+            <pc:sldMk cId="2694682949" sldId="261"/>
+            <ac:spMk id="3" creationId="{68DA9882-9141-974A-829C-E85ADD318716}"/>
+          </ac:spMkLst>
+        </pc:spChg>
+        <pc:spChg chg="add del mod">
+          <ac:chgData name="CASTELLANOS CISNEROS, MIRIAM" userId="cc3e60e2-d848-4d5e-915b-29679e0a3e96" providerId="ADAL" clId="{C47FE46C-1307-1B4D-BF2F-8AD7D9D8AA4E}" dt="2019-10-01T18:14:45.942" v="480"/>
+          <ac:spMkLst>
+            <pc:docMk/>
+            <pc:sldMk cId="2694682949" sldId="261"/>
+            <ac:spMk id="4" creationId="{CC821E55-436A-6E48-89A3-20C78E3D1209}"/>
+          </ac:spMkLst>
+        </pc:spChg>
+      </pc:sldChg>
+      <pc:sldChg chg="addSp delSp modSp add">
+        <pc:chgData name="CASTELLANOS CISNEROS, MIRIAM" userId="cc3e60e2-d848-4d5e-915b-29679e0a3e96" providerId="ADAL" clId="{C47FE46C-1307-1B4D-BF2F-8AD7D9D8AA4E}" dt="2019-10-01T18:11:52.642" v="255" actId="931"/>
+        <pc:sldMkLst>
+          <pc:docMk/>
+          <pc:sldMk cId="2828567738" sldId="262"/>
+        </pc:sldMkLst>
+        <pc:spChg chg="mod">
+          <ac:chgData name="CASTELLANOS CISNEROS, MIRIAM" userId="cc3e60e2-d848-4d5e-915b-29679e0a3e96" providerId="ADAL" clId="{C47FE46C-1307-1B4D-BF2F-8AD7D9D8AA4E}" dt="2019-10-01T18:11:02.509" v="254" actId="20577"/>
+          <ac:spMkLst>
+            <pc:docMk/>
+            <pc:sldMk cId="2828567738" sldId="262"/>
+            <ac:spMk id="2" creationId="{BB45EA70-1B6B-7643-89DF-B565B054C423}"/>
+          </ac:spMkLst>
+        </pc:spChg>
+        <pc:spChg chg="del">
+          <ac:chgData name="CASTELLANOS CISNEROS, MIRIAM" userId="cc3e60e2-d848-4d5e-915b-29679e0a3e96" providerId="ADAL" clId="{C47FE46C-1307-1B4D-BF2F-8AD7D9D8AA4E}" dt="2019-10-01T18:11:52.642" v="255" actId="931"/>
+          <ac:spMkLst>
+            <pc:docMk/>
+            <pc:sldMk cId="2828567738" sldId="262"/>
+            <ac:spMk id="3" creationId="{D14A10EF-C8E9-9E48-B404-B4D3C590CA24}"/>
+          </ac:spMkLst>
+        </pc:spChg>
+        <pc:picChg chg="add mod">
+          <ac:chgData name="CASTELLANOS CISNEROS, MIRIAM" userId="cc3e60e2-d848-4d5e-915b-29679e0a3e96" providerId="ADAL" clId="{C47FE46C-1307-1B4D-BF2F-8AD7D9D8AA4E}" dt="2019-10-01T18:11:52.642" v="255" actId="931"/>
+          <ac:picMkLst>
+            <pc:docMk/>
+            <pc:sldMk cId="2828567738" sldId="262"/>
+            <ac:picMk id="5" creationId="{134CBA96-48E3-274D-BE2D-F977BCF44369}"/>
+          </ac:picMkLst>
+        </pc:picChg>
+      </pc:sldChg>
+      <pc:sldChg chg="modSp add">
+        <pc:chgData name="CASTELLANOS CISNEROS, MIRIAM" userId="cc3e60e2-d848-4d5e-915b-29679e0a3e96" providerId="ADAL" clId="{C47FE46C-1307-1B4D-BF2F-8AD7D9D8AA4E}" dt="2019-10-01T18:19:47.893" v="1069" actId="20577"/>
+        <pc:sldMkLst>
+          <pc:docMk/>
+          <pc:sldMk cId="569100806" sldId="263"/>
+        </pc:sldMkLst>
+        <pc:spChg chg="mod">
+          <ac:chgData name="CASTELLANOS CISNEROS, MIRIAM" userId="cc3e60e2-d848-4d5e-915b-29679e0a3e96" providerId="ADAL" clId="{C47FE46C-1307-1B4D-BF2F-8AD7D9D8AA4E}" dt="2019-10-01T18:14:52.473" v="498" actId="20577"/>
+          <ac:spMkLst>
+            <pc:docMk/>
+            <pc:sldMk cId="569100806" sldId="263"/>
+            <ac:spMk id="2" creationId="{48169D17-B740-4E4A-8507-3DDF17BEDFA8}"/>
+          </ac:spMkLst>
+        </pc:spChg>
+        <pc:spChg chg="mod">
+          <ac:chgData name="CASTELLANOS CISNEROS, MIRIAM" userId="cc3e60e2-d848-4d5e-915b-29679e0a3e96" providerId="ADAL" clId="{C47FE46C-1307-1B4D-BF2F-8AD7D9D8AA4E}" dt="2019-10-01T18:19:47.893" v="1069" actId="20577"/>
+          <ac:spMkLst>
+            <pc:docMk/>
+            <pc:sldMk cId="569100806" sldId="263"/>
+            <ac:spMk id="3" creationId="{74D8D9A4-8435-1C4C-A0CD-4BB10437790E}"/>
+          </ac:spMkLst>
+        </pc:spChg>
       </pc:sldChg>
     </pc:docChg>
   </pc:docChgLst>
@@ -5693,6 +5781,108 @@
           <p:cNvPr id="2" name="Título 1">
             <a:extLst>
               <a:ext uri="{FF2B5EF4-FFF2-40B4-BE49-F238E27FC236}">
+                <a16:creationId xmlns:a16="http://schemas.microsoft.com/office/drawing/2014/main" id="{48169D17-B740-4E4A-8507-3DDF17BEDFA8}"/>
+              </a:ext>
+            </a:extLst>
+          </p:cNvPr>
+          <p:cNvSpPr>
+            <a:spLocks noGrp="1"/>
+          </p:cNvSpPr>
+          <p:nvPr>
+            <p:ph type="title"/>
+          </p:nvPr>
+        </p:nvSpPr>
+        <p:spPr/>
+        <p:txBody>
+          <a:bodyPr/>
+          <a:lstStyle/>
+          <a:p>
+            <a:r>
+              <a:rPr lang="es-MX" dirty="0"/>
+              <a:t>Objetivos</a:t>
+            </a:r>
+          </a:p>
+        </p:txBody>
+      </p:sp>
+      <p:sp>
+        <p:nvSpPr>
+          <p:cNvPr id="3" name="Marcador de contenido 2">
+            <a:extLst>
+              <a:ext uri="{FF2B5EF4-FFF2-40B4-BE49-F238E27FC236}">
+                <a16:creationId xmlns:a16="http://schemas.microsoft.com/office/drawing/2014/main" id="{74D8D9A4-8435-1C4C-A0CD-4BB10437790E}"/>
+              </a:ext>
+            </a:extLst>
+          </p:cNvPr>
+          <p:cNvSpPr>
+            <a:spLocks noGrp="1"/>
+          </p:cNvSpPr>
+          <p:nvPr>
+            <p:ph idx="1"/>
+          </p:nvPr>
+        </p:nvSpPr>
+        <p:spPr/>
+        <p:txBody>
+          <a:bodyPr/>
+          <a:lstStyle/>
+          <a:p>
+            <a:r>
+              <a:rPr lang="es-MX" dirty="0"/>
+              <a:t>Encontrar la mayor ganancia de los viajes entre los camiones 1y 2</a:t>
+            </a:r>
+          </a:p>
+          <a:p>
+            <a:r>
+              <a:rPr lang="es-MX" dirty="0"/>
+              <a:t>Encontrar el numero de viajes que tienen que tener el camion 1 y el camion 2 de para poder obtener esa maxima ganancia.</a:t>
+            </a:r>
+          </a:p>
+          <a:p>
+            <a:r>
+              <a:rPr lang="es-MX" dirty="0"/>
+              <a:t>Usar las librerías vistas hasta ahora en el curso con el propósito de resolver un problema ficticio relacionado con la Ingeniería civil. </a:t>
+            </a:r>
+            <a:r>
+              <a:rPr lang="es-MX"/>
+              <a:t>Las librerías que usamos fueron: Numpy y Matplotlib y Sympy.</a:t>
+            </a:r>
+          </a:p>
+        </p:txBody>
+      </p:sp>
+    </p:spTree>
+    <p:extLst>
+      <p:ext uri="{BB962C8B-B14F-4D97-AF65-F5344CB8AC3E}">
+        <p14:creationId xmlns:p14="http://schemas.microsoft.com/office/powerpoint/2010/main" val="569100806"/>
+      </p:ext>
+    </p:extLst>
+  </p:cSld>
+  <p:clrMapOvr>
+    <a:masterClrMapping/>
+  </p:clrMapOvr>
+</p:sld>
+</file>
+
+<file path=ppt/slides/slide3.xml><?xml version="1.0" encoding="utf-8"?>
+<p:sld xmlns:a="http://schemas.openxmlformats.org/drawingml/2006/main" xmlns:r="http://schemas.openxmlformats.org/officeDocument/2006/relationships" xmlns:p="http://schemas.openxmlformats.org/presentationml/2006/main">
+  <p:cSld>
+    <p:spTree>
+      <p:nvGrpSpPr>
+        <p:cNvPr id="1" name=""/>
+        <p:cNvGrpSpPr/>
+        <p:nvPr/>
+      </p:nvGrpSpPr>
+      <p:grpSpPr>
+        <a:xfrm>
+          <a:off x="0" y="0"/>
+          <a:ext cx="0" cy="0"/>
+          <a:chOff x="0" y="0"/>
+          <a:chExt cx="0" cy="0"/>
+        </a:xfrm>
+      </p:grpSpPr>
+      <p:sp>
+        <p:nvSpPr>
+          <p:cNvPr id="2" name="Título 1">
+            <a:extLst>
+              <a:ext uri="{FF2B5EF4-FFF2-40B4-BE49-F238E27FC236}">
                 <a16:creationId xmlns:a16="http://schemas.microsoft.com/office/drawing/2014/main" id="{E2F9D803-D865-7642-89D0-41C9E62B826D}"/>
               </a:ext>
             </a:extLst>
@@ -5757,7 +5947,7 @@
 </p:sld>
 </file>
 
-<file path=ppt/slides/slide3.xml><?xml version="1.0" encoding="utf-8"?>
+<file path=ppt/slides/slide4.xml><?xml version="1.0" encoding="utf-8"?>
 <p:sld xmlns:a="http://schemas.openxmlformats.org/drawingml/2006/main" xmlns:r="http://schemas.openxmlformats.org/officeDocument/2006/relationships" xmlns:p="http://schemas.openxmlformats.org/presentationml/2006/main">
   <p:cSld>
     <p:bg>
@@ -6261,7 +6451,94 @@
 </p:sld>
 </file>
 
-<file path=ppt/slides/slide4.xml><?xml version="1.0" encoding="utf-8"?>
+<file path=ppt/slides/slide5.xml><?xml version="1.0" encoding="utf-8"?>
+<p:sld xmlns:a="http://schemas.openxmlformats.org/drawingml/2006/main" xmlns:r="http://schemas.openxmlformats.org/officeDocument/2006/relationships" xmlns:p="http://schemas.openxmlformats.org/presentationml/2006/main">
+  <p:cSld>
+    <p:spTree>
+      <p:nvGrpSpPr>
+        <p:cNvPr id="1" name=""/>
+        <p:cNvGrpSpPr/>
+        <p:nvPr/>
+      </p:nvGrpSpPr>
+      <p:grpSpPr>
+        <a:xfrm>
+          <a:off x="0" y="0"/>
+          <a:ext cx="0" cy="0"/>
+          <a:chOff x="0" y="0"/>
+          <a:chExt cx="0" cy="0"/>
+        </a:xfrm>
+      </p:grpSpPr>
+      <p:sp>
+        <p:nvSpPr>
+          <p:cNvPr id="2" name="Título 1">
+            <a:extLst>
+              <a:ext uri="{FF2B5EF4-FFF2-40B4-BE49-F238E27FC236}">
+                <a16:creationId xmlns:a16="http://schemas.microsoft.com/office/drawing/2014/main" id="{BB45EA70-1B6B-7643-89DF-B565B054C423}"/>
+              </a:ext>
+            </a:extLst>
+          </p:cNvPr>
+          <p:cNvSpPr>
+            <a:spLocks noGrp="1"/>
+          </p:cNvSpPr>
+          <p:nvPr>
+            <p:ph type="title"/>
+          </p:nvPr>
+        </p:nvSpPr>
+        <p:spPr/>
+        <p:txBody>
+          <a:bodyPr/>
+          <a:lstStyle/>
+          <a:p>
+            <a:r>
+              <a:rPr lang="es-MX" dirty="0"/>
+              <a:t>Solución dada por optimización.</a:t>
+            </a:r>
+          </a:p>
+        </p:txBody>
+      </p:sp>
+      <p:pic>
+        <p:nvPicPr>
+          <p:cNvPr id="5" name="Marcador de contenido 4">
+            <a:extLst>
+              <a:ext uri="{FF2B5EF4-FFF2-40B4-BE49-F238E27FC236}">
+                <a16:creationId xmlns:a16="http://schemas.microsoft.com/office/drawing/2014/main" id="{134CBA96-48E3-274D-BE2D-F977BCF44369}"/>
+              </a:ext>
+            </a:extLst>
+          </p:cNvPr>
+          <p:cNvPicPr>
+            <a:picLocks noGrp="1" noChangeAspect="1"/>
+          </p:cNvPicPr>
+          <p:nvPr>
+            <p:ph idx="1"/>
+          </p:nvPr>
+        </p:nvPicPr>
+        <p:blipFill>
+          <a:blip r:embed="rId2"/>
+          <a:stretch>
+            <a:fillRect/>
+          </a:stretch>
+        </p:blipFill>
+        <p:spPr>
+          <a:xfrm>
+            <a:off x="819150" y="2330698"/>
+            <a:ext cx="10553700" cy="3420566"/>
+          </a:xfrm>
+        </p:spPr>
+      </p:pic>
+    </p:spTree>
+    <p:extLst>
+      <p:ext uri="{BB962C8B-B14F-4D97-AF65-F5344CB8AC3E}">
+        <p14:creationId xmlns:p14="http://schemas.microsoft.com/office/powerpoint/2010/main" val="2828567738"/>
+      </p:ext>
+    </p:extLst>
+  </p:cSld>
+  <p:clrMapOvr>
+    <a:masterClrMapping/>
+  </p:clrMapOvr>
+</p:sld>
+</file>
+
+<file path=ppt/slides/slide6.xml><?xml version="1.0" encoding="utf-8"?>
 <p:sld xmlns:a="http://schemas.openxmlformats.org/drawingml/2006/main" xmlns:r="http://schemas.openxmlformats.org/officeDocument/2006/relationships" xmlns:p="http://schemas.openxmlformats.org/presentationml/2006/main">
   <p:cSld>
     <p:bg>
@@ -6765,7 +7042,7 @@
 </p:sld>
 </file>
 
-<file path=ppt/slides/slide5.xml><?xml version="1.0" encoding="utf-8"?>
+<file path=ppt/slides/slide7.xml><?xml version="1.0" encoding="utf-8"?>
 <p:sld xmlns:a="http://schemas.openxmlformats.org/drawingml/2006/main" xmlns:r="http://schemas.openxmlformats.org/officeDocument/2006/relationships" xmlns:p="http://schemas.openxmlformats.org/presentationml/2006/main">
   <p:cSld>
     <p:bg>
@@ -7265,6 +7542,95 @@
   </p:cSld>
   <p:clrMapOvr>
     <a:overrideClrMapping bg1="lt1" tx1="dk1" bg2="lt2" tx2="dk2" accent1="accent1" accent2="accent2" accent3="accent3" accent4="accent4" accent5="accent5" accent6="accent6" hlink="hlink" folHlink="folHlink"/>
+  </p:clrMapOvr>
+</p:sld>
+</file>
+
+<file path=ppt/slides/slide8.xml><?xml version="1.0" encoding="utf-8"?>
+<p:sld xmlns:a="http://schemas.openxmlformats.org/drawingml/2006/main" xmlns:r="http://schemas.openxmlformats.org/officeDocument/2006/relationships" xmlns:p="http://schemas.openxmlformats.org/presentationml/2006/main">
+  <p:cSld>
+    <p:spTree>
+      <p:nvGrpSpPr>
+        <p:cNvPr id="1" name=""/>
+        <p:cNvGrpSpPr/>
+        <p:nvPr/>
+      </p:nvGrpSpPr>
+      <p:grpSpPr>
+        <a:xfrm>
+          <a:off x="0" y="0"/>
+          <a:ext cx="0" cy="0"/>
+          <a:chOff x="0" y="0"/>
+          <a:chExt cx="0" cy="0"/>
+        </a:xfrm>
+      </p:grpSpPr>
+      <p:sp>
+        <p:nvSpPr>
+          <p:cNvPr id="2" name="Título 1">
+            <a:extLst>
+              <a:ext uri="{FF2B5EF4-FFF2-40B4-BE49-F238E27FC236}">
+                <a16:creationId xmlns:a16="http://schemas.microsoft.com/office/drawing/2014/main" id="{1AD07247-DA50-3D49-B10D-C3F199AF1FFD}"/>
+              </a:ext>
+            </a:extLst>
+          </p:cNvPr>
+          <p:cNvSpPr>
+            <a:spLocks noGrp="1"/>
+          </p:cNvSpPr>
+          <p:nvPr>
+            <p:ph type="title"/>
+          </p:nvPr>
+        </p:nvSpPr>
+        <p:spPr/>
+        <p:txBody>
+          <a:bodyPr/>
+          <a:lstStyle/>
+          <a:p>
+            <a:r>
+              <a:rPr lang="es-MX" dirty="0"/>
+              <a:t>Conclusiones</a:t>
+            </a:r>
+          </a:p>
+        </p:txBody>
+      </p:sp>
+      <p:sp>
+        <p:nvSpPr>
+          <p:cNvPr id="3" name="Marcador de contenido 2">
+            <a:extLst>
+              <a:ext uri="{FF2B5EF4-FFF2-40B4-BE49-F238E27FC236}">
+                <a16:creationId xmlns:a16="http://schemas.microsoft.com/office/drawing/2014/main" id="{68DA9882-9141-974A-829C-E85ADD318716}"/>
+              </a:ext>
+            </a:extLst>
+          </p:cNvPr>
+          <p:cNvSpPr>
+            <a:spLocks noGrp="1"/>
+          </p:cNvSpPr>
+          <p:nvPr>
+            <p:ph idx="1"/>
+          </p:nvPr>
+        </p:nvSpPr>
+        <p:spPr/>
+        <p:txBody>
+          <a:bodyPr/>
+          <a:lstStyle/>
+          <a:p>
+            <a:r>
+              <a:rPr lang="es-MX" dirty="0"/>
+              <a:t>En conclusion con los problemas de optimizacion que hicimos y la grafica podemos ver que la ganancia máxima es de 22,940,000 $ en 62 viajes del camion 1 y 62 viajes del camion 2,</a:t>
+            </a:r>
+          </a:p>
+          <a:p>
+            <a:endParaRPr lang="es-MX" dirty="0"/>
+          </a:p>
+        </p:txBody>
+      </p:sp>
+    </p:spTree>
+    <p:extLst>
+      <p:ext uri="{BB962C8B-B14F-4D97-AF65-F5344CB8AC3E}">
+        <p14:creationId xmlns:p14="http://schemas.microsoft.com/office/powerpoint/2010/main" val="2694682949"/>
+      </p:ext>
+    </p:extLst>
+  </p:cSld>
+  <p:clrMapOvr>
+    <a:masterClrMapping/>
   </p:clrMapOvr>
 </p:sld>
 </file>

--- a/Presentación proyecto modulo 1.pptx
+++ b/Presentación proyecto modulo 1.pptx
@@ -6,13 +6,15 @@
   </p:sldMasterIdLst>
   <p:sldIdLst>
     <p:sldId id="256" r:id="rId2"/>
-    <p:sldId id="263" r:id="rId3"/>
-    <p:sldId id="257" r:id="rId4"/>
-    <p:sldId id="258" r:id="rId5"/>
-    <p:sldId id="262" r:id="rId6"/>
-    <p:sldId id="259" r:id="rId7"/>
-    <p:sldId id="260" r:id="rId8"/>
-    <p:sldId id="261" r:id="rId9"/>
+    <p:sldId id="265" r:id="rId3"/>
+    <p:sldId id="263" r:id="rId4"/>
+    <p:sldId id="257" r:id="rId5"/>
+    <p:sldId id="258" r:id="rId6"/>
+    <p:sldId id="262" r:id="rId7"/>
+    <p:sldId id="259" r:id="rId8"/>
+    <p:sldId id="260" r:id="rId9"/>
+    <p:sldId id="261" r:id="rId10"/>
+    <p:sldId id="264" r:id="rId11"/>
   </p:sldIdLst>
   <p:sldSz cx="12192000" cy="6858000"/>
   <p:notesSz cx="6858000" cy="9144000"/>
@@ -122,7 +124,7 @@
 <file path=ppt/revisionInfo.xml><?xml version="1.0" encoding="utf-8"?>
 <p1510:revInfo xmlns:a="http://schemas.openxmlformats.org/drawingml/2006/main" xmlns:r="http://schemas.openxmlformats.org/officeDocument/2006/relationships" xmlns:p1510="http://schemas.microsoft.com/office/powerpoint/2015/10/main">
   <p1510:revLst>
-    <p1510:client id="{C47FE46C-1307-1B4D-BF2F-8AD7D9D8AA4E}" v="16" dt="2019-10-01T18:14:48.219"/>
+    <p1510:client id="{C47FE46C-1307-1B4D-BF2F-8AD7D9D8AA4E}" v="24" dt="2019-10-01T18:27:30.514"/>
   </p1510:revLst>
 </p1510:revInfo>
 </file>
@@ -131,19 +133,34 @@
 <pc:chgInfo xmlns:a="http://schemas.openxmlformats.org/drawingml/2006/main" xmlns:r="http://schemas.openxmlformats.org/officeDocument/2006/relationships" xmlns:ac="http://schemas.microsoft.com/office/drawing/2013/main/command" xmlns:pc="http://schemas.microsoft.com/office/powerpoint/2013/main/command">
   <pc:docChgLst>
     <pc:chgData name="CASTELLANOS CISNEROS, MIRIAM" userId="cc3e60e2-d848-4d5e-915b-29679e0a3e96" providerId="ADAL" clId="{C47FE46C-1307-1B4D-BF2F-8AD7D9D8AA4E}"/>
-    <pc:docChg chg="custSel mod addSld modSld">
-      <pc:chgData name="CASTELLANOS CISNEROS, MIRIAM" userId="cc3e60e2-d848-4d5e-915b-29679e0a3e96" providerId="ADAL" clId="{C47FE46C-1307-1B4D-BF2F-8AD7D9D8AA4E}" dt="2019-10-01T18:19:47.893" v="1069" actId="20577"/>
+    <pc:docChg chg="custSel mod addSld delSld modSld">
+      <pc:chgData name="CASTELLANOS CISNEROS, MIRIAM" userId="cc3e60e2-d848-4d5e-915b-29679e0a3e96" providerId="ADAL" clId="{C47FE46C-1307-1B4D-BF2F-8AD7D9D8AA4E}" dt="2019-10-01T18:28:41.517" v="1473" actId="9405"/>
       <pc:docMkLst>
         <pc:docMk/>
       </pc:docMkLst>
+      <pc:sldChg chg="modSp">
+        <pc:chgData name="CASTELLANOS CISNEROS, MIRIAM" userId="cc3e60e2-d848-4d5e-915b-29679e0a3e96" providerId="ADAL" clId="{C47FE46C-1307-1B4D-BF2F-8AD7D9D8AA4E}" dt="2019-10-01T18:21:32.755" v="1128" actId="14100"/>
+        <pc:sldMkLst>
+          <pc:docMk/>
+          <pc:sldMk cId="4046241183" sldId="256"/>
+        </pc:sldMkLst>
+        <pc:spChg chg="mod">
+          <ac:chgData name="CASTELLANOS CISNEROS, MIRIAM" userId="cc3e60e2-d848-4d5e-915b-29679e0a3e96" providerId="ADAL" clId="{C47FE46C-1307-1B4D-BF2F-8AD7D9D8AA4E}" dt="2019-10-01T18:21:32.755" v="1128" actId="14100"/>
+          <ac:spMkLst>
+            <pc:docMk/>
+            <pc:sldMk cId="4046241183" sldId="256"/>
+            <ac:spMk id="2" creationId="{73A184E3-8994-FB4D-850A-BBEE50E70BA8}"/>
+          </ac:spMkLst>
+        </pc:spChg>
+      </pc:sldChg>
       <pc:sldChg chg="addSp delSp modSp">
-        <pc:chgData name="CASTELLANOS CISNEROS, MIRIAM" userId="cc3e60e2-d848-4d5e-915b-29679e0a3e96" providerId="ADAL" clId="{C47FE46C-1307-1B4D-BF2F-8AD7D9D8AA4E}" dt="2019-10-01T16:14:17.738" v="27" actId="14100"/>
+        <pc:chgData name="CASTELLANOS CISNEROS, MIRIAM" userId="cc3e60e2-d848-4d5e-915b-29679e0a3e96" providerId="ADAL" clId="{C47FE46C-1307-1B4D-BF2F-8AD7D9D8AA4E}" dt="2019-10-01T18:24:08.222" v="1218" actId="20577"/>
         <pc:sldMkLst>
           <pc:docMk/>
           <pc:sldMk cId="28428242" sldId="257"/>
         </pc:sldMkLst>
         <pc:spChg chg="mod">
-          <ac:chgData name="CASTELLANOS CISNEROS, MIRIAM" userId="cc3e60e2-d848-4d5e-915b-29679e0a3e96" providerId="ADAL" clId="{C47FE46C-1307-1B4D-BF2F-8AD7D9D8AA4E}" dt="2019-10-01T15:27:58.634" v="16" actId="20577"/>
+          <ac:chgData name="CASTELLANOS CISNEROS, MIRIAM" userId="cc3e60e2-d848-4d5e-915b-29679e0a3e96" providerId="ADAL" clId="{C47FE46C-1307-1B4D-BF2F-8AD7D9D8AA4E}" dt="2019-10-01T18:24:08.222" v="1218" actId="20577"/>
           <ac:spMkLst>
             <pc:docMk/>
             <pc:sldMk cId="28428242" sldId="257"/>
@@ -278,7 +295,7 @@
         </pc:picChg>
       </pc:sldChg>
       <pc:sldChg chg="addSp delSp modSp add mod setBg setClrOvrMap">
-        <pc:chgData name="CASTELLANOS CISNEROS, MIRIAM" userId="cc3e60e2-d848-4d5e-915b-29679e0a3e96" providerId="ADAL" clId="{C47FE46C-1307-1B4D-BF2F-8AD7D9D8AA4E}" dt="2019-10-01T18:07:34.241" v="191" actId="26606"/>
+        <pc:chgData name="CASTELLANOS CISNEROS, MIRIAM" userId="cc3e60e2-d848-4d5e-915b-29679e0a3e96" providerId="ADAL" clId="{C47FE46C-1307-1B4D-BF2F-8AD7D9D8AA4E}" dt="2019-10-01T18:28:41.517" v="1473" actId="9405"/>
         <pc:sldMkLst>
           <pc:docMk/>
           <pc:sldMk cId="1626867466" sldId="260"/>
@@ -347,9 +364,25 @@
             <ac:picMk id="9" creationId="{97B327A3-1DB2-EC47-AF84-F813EC12CAD6}"/>
           </ac:picMkLst>
         </pc:picChg>
+        <pc:inkChg chg="add">
+          <ac:chgData name="CASTELLANOS CISNEROS, MIRIAM" userId="cc3e60e2-d848-4d5e-915b-29679e0a3e96" providerId="ADAL" clId="{C47FE46C-1307-1B4D-BF2F-8AD7D9D8AA4E}" dt="2019-10-01T18:28:28.466" v="1472" actId="9405"/>
+          <ac:inkMkLst>
+            <pc:docMk/>
+            <pc:sldMk cId="1626867466" sldId="260"/>
+            <ac:inkMk id="10" creationId="{46FC83B2-4691-264E-9125-E910D896AE78}"/>
+          </ac:inkMkLst>
+        </pc:inkChg>
+        <pc:inkChg chg="add">
+          <ac:chgData name="CASTELLANOS CISNEROS, MIRIAM" userId="cc3e60e2-d848-4d5e-915b-29679e0a3e96" providerId="ADAL" clId="{C47FE46C-1307-1B4D-BF2F-8AD7D9D8AA4E}" dt="2019-10-01T18:28:41.517" v="1473" actId="9405"/>
+          <ac:inkMkLst>
+            <pc:docMk/>
+            <pc:sldMk cId="1626867466" sldId="260"/>
+            <ac:inkMk id="11" creationId="{B453EC25-0EE6-C341-947F-7E4AF92598AD}"/>
+          </ac:inkMkLst>
+        </pc:inkChg>
       </pc:sldChg>
       <pc:sldChg chg="addSp delSp modSp add">
-        <pc:chgData name="CASTELLANOS CISNEROS, MIRIAM" userId="cc3e60e2-d848-4d5e-915b-29679e0a3e96" providerId="ADAL" clId="{C47FE46C-1307-1B4D-BF2F-8AD7D9D8AA4E}" dt="2019-10-01T18:14:45.942" v="480"/>
+        <pc:chgData name="CASTELLANOS CISNEROS, MIRIAM" userId="cc3e60e2-d848-4d5e-915b-29679e0a3e96" providerId="ADAL" clId="{C47FE46C-1307-1B4D-BF2F-8AD7D9D8AA4E}" dt="2019-10-01T18:27:49.174" v="1471" actId="5793"/>
         <pc:sldMkLst>
           <pc:docMk/>
           <pc:sldMk cId="2694682949" sldId="261"/>
@@ -363,7 +396,7 @@
           </ac:spMkLst>
         </pc:spChg>
         <pc:spChg chg="mod">
-          <ac:chgData name="CASTELLANOS CISNEROS, MIRIAM" userId="cc3e60e2-d848-4d5e-915b-29679e0a3e96" providerId="ADAL" clId="{C47FE46C-1307-1B4D-BF2F-8AD7D9D8AA4E}" dt="2019-10-01T18:14:42.029" v="478" actId="20577"/>
+          <ac:chgData name="CASTELLANOS CISNEROS, MIRIAM" userId="cc3e60e2-d848-4d5e-915b-29679e0a3e96" providerId="ADAL" clId="{C47FE46C-1307-1B4D-BF2F-8AD7D9D8AA4E}" dt="2019-10-01T18:27:49.174" v="1471" actId="5793"/>
           <ac:spMkLst>
             <pc:docMk/>
             <pc:sldMk cId="2694682949" sldId="261"/>
@@ -411,13 +444,13 @@
         </pc:picChg>
       </pc:sldChg>
       <pc:sldChg chg="modSp add">
-        <pc:chgData name="CASTELLANOS CISNEROS, MIRIAM" userId="cc3e60e2-d848-4d5e-915b-29679e0a3e96" providerId="ADAL" clId="{C47FE46C-1307-1B4D-BF2F-8AD7D9D8AA4E}" dt="2019-10-01T18:19:47.893" v="1069" actId="20577"/>
+        <pc:chgData name="CASTELLANOS CISNEROS, MIRIAM" userId="cc3e60e2-d848-4d5e-915b-29679e0a3e96" providerId="ADAL" clId="{C47FE46C-1307-1B4D-BF2F-8AD7D9D8AA4E}" dt="2019-10-01T18:24:26.827" v="1233" actId="20577"/>
         <pc:sldMkLst>
           <pc:docMk/>
           <pc:sldMk cId="569100806" sldId="263"/>
         </pc:sldMkLst>
         <pc:spChg chg="mod">
-          <ac:chgData name="CASTELLANOS CISNEROS, MIRIAM" userId="cc3e60e2-d848-4d5e-915b-29679e0a3e96" providerId="ADAL" clId="{C47FE46C-1307-1B4D-BF2F-8AD7D9D8AA4E}" dt="2019-10-01T18:14:52.473" v="498" actId="20577"/>
+          <ac:chgData name="CASTELLANOS CISNEROS, MIRIAM" userId="cc3e60e2-d848-4d5e-915b-29679e0a3e96" providerId="ADAL" clId="{C47FE46C-1307-1B4D-BF2F-8AD7D9D8AA4E}" dt="2019-10-01T18:24:26.827" v="1233" actId="20577"/>
           <ac:spMkLst>
             <pc:docMk/>
             <pc:sldMk cId="569100806" sldId="263"/>
@@ -433,9 +466,141 @@
           </ac:spMkLst>
         </pc:spChg>
       </pc:sldChg>
+      <pc:sldChg chg="modSp add del">
+        <pc:chgData name="CASTELLANOS CISNEROS, MIRIAM" userId="cc3e60e2-d848-4d5e-915b-29679e0a3e96" providerId="ADAL" clId="{C47FE46C-1307-1B4D-BF2F-8AD7D9D8AA4E}" dt="2019-10-01T18:22:20.097" v="1154" actId="2696"/>
+        <pc:sldMkLst>
+          <pc:docMk/>
+          <pc:sldMk cId="855921283" sldId="264"/>
+        </pc:sldMkLst>
+        <pc:spChg chg="mod">
+          <ac:chgData name="CASTELLANOS CISNEROS, MIRIAM" userId="cc3e60e2-d848-4d5e-915b-29679e0a3e96" providerId="ADAL" clId="{C47FE46C-1307-1B4D-BF2F-8AD7D9D8AA4E}" dt="2019-10-01T18:22:16.714" v="1153" actId="20577"/>
+          <ac:spMkLst>
+            <pc:docMk/>
+            <pc:sldMk cId="855921283" sldId="264"/>
+            <ac:spMk id="2" creationId="{66E88114-25C2-774A-87AC-C5AC46498CE8}"/>
+          </ac:spMkLst>
+        </pc:spChg>
+      </pc:sldChg>
+      <pc:sldChg chg="modSp add">
+        <pc:chgData name="CASTELLANOS CISNEROS, MIRIAM" userId="cc3e60e2-d848-4d5e-915b-29679e0a3e96" providerId="ADAL" clId="{C47FE46C-1307-1B4D-BF2F-8AD7D9D8AA4E}" dt="2019-10-01T18:23:09.932" v="1179" actId="20577"/>
+        <pc:sldMkLst>
+          <pc:docMk/>
+          <pc:sldMk cId="1518228625" sldId="264"/>
+        </pc:sldMkLst>
+        <pc:spChg chg="mod">
+          <ac:chgData name="CASTELLANOS CISNEROS, MIRIAM" userId="cc3e60e2-d848-4d5e-915b-29679e0a3e96" providerId="ADAL" clId="{C47FE46C-1307-1B4D-BF2F-8AD7D9D8AA4E}" dt="2019-10-01T18:22:26.230" v="1174" actId="20577"/>
+          <ac:spMkLst>
+            <pc:docMk/>
+            <pc:sldMk cId="1518228625" sldId="264"/>
+            <ac:spMk id="2" creationId="{EDDC4AA5-55D4-E14E-BDC8-DFE6ED4E68B3}"/>
+          </ac:spMkLst>
+        </pc:spChg>
+        <pc:spChg chg="mod">
+          <ac:chgData name="CASTELLANOS CISNEROS, MIRIAM" userId="cc3e60e2-d848-4d5e-915b-29679e0a3e96" providerId="ADAL" clId="{C47FE46C-1307-1B4D-BF2F-8AD7D9D8AA4E}" dt="2019-10-01T18:23:09.932" v="1179" actId="20577"/>
+          <ac:spMkLst>
+            <pc:docMk/>
+            <pc:sldMk cId="1518228625" sldId="264"/>
+            <ac:spMk id="3" creationId="{D57F67C5-766E-4D4C-949C-2D2C05B64301}"/>
+          </ac:spMkLst>
+        </pc:spChg>
+      </pc:sldChg>
+      <pc:sldChg chg="add del">
+        <pc:chgData name="CASTELLANOS CISNEROS, MIRIAM" userId="cc3e60e2-d848-4d5e-915b-29679e0a3e96" providerId="ADAL" clId="{C47FE46C-1307-1B4D-BF2F-8AD7D9D8AA4E}" dt="2019-10-01T18:22:03.608" v="1130" actId="2696"/>
+        <pc:sldMkLst>
+          <pc:docMk/>
+          <pc:sldMk cId="2059818660" sldId="264"/>
+        </pc:sldMkLst>
+      </pc:sldChg>
+      <pc:sldChg chg="modSp add">
+        <pc:chgData name="CASTELLANOS CISNEROS, MIRIAM" userId="cc3e60e2-d848-4d5e-915b-29679e0a3e96" providerId="ADAL" clId="{C47FE46C-1307-1B4D-BF2F-8AD7D9D8AA4E}" dt="2019-10-01T18:26:36.332" v="1450" actId="20577"/>
+        <pc:sldMkLst>
+          <pc:docMk/>
+          <pc:sldMk cId="2712210646" sldId="265"/>
+        </pc:sldMkLst>
+        <pc:spChg chg="mod">
+          <ac:chgData name="CASTELLANOS CISNEROS, MIRIAM" userId="cc3e60e2-d848-4d5e-915b-29679e0a3e96" providerId="ADAL" clId="{C47FE46C-1307-1B4D-BF2F-8AD7D9D8AA4E}" dt="2019-10-01T18:24:32.931" v="1250" actId="20577"/>
+          <ac:spMkLst>
+            <pc:docMk/>
+            <pc:sldMk cId="2712210646" sldId="265"/>
+            <ac:spMk id="2" creationId="{2E58EC98-54FB-7840-A8A3-0152599E6834}"/>
+          </ac:spMkLst>
+        </pc:spChg>
+        <pc:spChg chg="mod">
+          <ac:chgData name="CASTELLANOS CISNEROS, MIRIAM" userId="cc3e60e2-d848-4d5e-915b-29679e0a3e96" providerId="ADAL" clId="{C47FE46C-1307-1B4D-BF2F-8AD7D9D8AA4E}" dt="2019-10-01T18:26:36.332" v="1450" actId="20577"/>
+          <ac:spMkLst>
+            <pc:docMk/>
+            <pc:sldMk cId="2712210646" sldId="265"/>
+            <ac:spMk id="3" creationId="{17EE2443-48DD-1046-BC39-6B9D974619E1}"/>
+          </ac:spMkLst>
+        </pc:spChg>
+      </pc:sldChg>
     </pc:docChg>
   </pc:docChgLst>
 </pc:chgInfo>
+</file>
+
+<file path=ppt/ink/ink1.xml><?xml version="1.0" encoding="utf-8"?>
+<inkml:ink xmlns:inkml="http://www.w3.org/2003/InkML">
+  <inkml:definitions>
+    <inkml:context xml:id="ctx0">
+      <inkml:inkSource xml:id="inkSrc0">
+        <inkml:traceFormat>
+          <inkml:channel name="X" type="integer" min="-2.14748E9" max="2.14748E9" units="cm"/>
+          <inkml:channel name="Y" type="integer" min="-2.14748E9" max="2.14748E9" units="cm"/>
+          <inkml:channel name="F" type="integer" max="32767" units="dev"/>
+        </inkml:traceFormat>
+        <inkml:channelProperties>
+          <inkml:channelProperty channel="X" name="resolution" value="1000" units="1/cm"/>
+          <inkml:channelProperty channel="Y" name="resolution" value="1000" units="1/cm"/>
+          <inkml:channelProperty channel="F" name="resolution" value="0" units="1/dev"/>
+        </inkml:channelProperties>
+      </inkml:inkSource>
+      <inkml:timestamp xml:id="ts0" timeString="2019-10-01T18:28:28.445"/>
+    </inkml:context>
+    <inkml:brush xml:id="br0">
+      <inkml:brushProperty name="width" value="0.05" units="cm"/>
+      <inkml:brushProperty name="height" value="0.05" units="cm"/>
+      <inkml:brushProperty name="color" value="#EEB3A6"/>
+      <inkml:brushProperty name="inkEffects" value="rosegold"/>
+      <inkml:brushProperty name="anchorX" value="0"/>
+      <inkml:brushProperty name="anchorY" value="0"/>
+      <inkml:brushProperty name="scaleFactor" value="0.5"/>
+    </inkml:brush>
+  </inkml:definitions>
+  <inkml:trace contextRef="#ctx0" brushRef="#br0">31 24 24575,'-5'93'0,"0"0"0,-1-35 0,1 38 0,-1-15 0,3-71 0,3 4 0,0 0 0,0 0 0,0 0 0,0 3 0,0-2 0,0 7 0,3-7 0,-2 6 0,2-6 0,-3 7 0,0-3 0,3-1 0,-2 4 0,2-3 0,-3 3 0,3 1 0,-2 0 0,2-1 0,-3-3 0,4 3 0,-4-7 0,7 2 0,-6-3 0,2 0 0,-3 0 0,0-4 0,3 3 0,-3-6 0,4 6 0,-1-2 0,-3 2 0,3 1 0,-3 0 0,0 0 0,4 0 0,-4-1 0,3-2 0,-3 2 0,0-3 0,0 1 0,0 2 0,0-3 0,0 4 0,0 0 0,0-4 0,0 9 0,0-7 0,0 8 0,0-10 0,0 3 0,0-2 0,0 3 0,0-1 0,0 1 0,0 0 0,0 0 0,0 0 0,0-4 0,0 3 0,0-6 0,0 3 0,0-4 0,0 0 0,0 4 0,0-3 0,0 2 0,0-2 0,0-1 0,0 0 0,0 0 0,-2-2 0,7-1 0,0-3 0,9 3 0,3 1 0,2 0 0,0 2 0,2-5 0,-9 2 0,5 0 0,-7 1 0,1 0 0,2 2 0,-6-3 0,2 1 0,-2 2 0,-1-6 0,0 6 0,0-3 0,1 1 0,-1-1 0,0-1 0,0-1 0,0 5 0,1-6 0,-1 3 0,0 0 0,0-2 0,1 4 0,-1-4 0,0 2 0,0-1 0,1-1 0,-1 2 0,-3 0 0,3-3 0,-5 6 0,4-5 0,-1 1 0,2-2 0,0 0 0,0 0 0,0 0 0,1 0 0,-1 0 0,0 0 0,4 0 0,0 0 0,4 0 0,4 0 0,-3 0 0,6 0 0,3-3 0,-5 2 0,12-7 0,-15 7 0,10-6 0,-7 3 0,4-4 0,-4 1 0,2-1 0,-6 1 0,3 0 0,-4 0 0,-1 0 0,1 3 0,4-2 0,-3 2 0,2-4 0,1 1 0,-3 0 0,3 0 0,-4 3 0,-1-2 0,1 2 0,-3-3 0,2 3 0,-6-1 0,6 1 0,-6-3 0,2 1 0,1-1 0,0 1 0,1-5 0,6 3 0,-5-5 0,5 5 0,1-2 0,1-1 0,4 3 0,-5-6 0,4 2 0,-1-5 0,2 4 0,2-3 0,-6 4 0,2 1 0,-6 0 0,3 1 0,4 2 0,-6-2 0,7-1 0,-10 0 0,5 3 0,-3-1 0,3 5 0,-5-3 0,-2 1 0,2-1 0,-3 0 0,1 0 0,-2 1 0,1-1 0,0 0 0,4 0 0,0 0 0,6-6 0,-1 1 0,6-2 0,-2 3 0,-1 3 0,1 0 0,0 4 0,-1-3 0,1 3 0,-4 0 0,-1-3 0,-5 3 0,1 0 0,0-2 0,0 2 0,3 0 0,2-5 0,4 3 0,0-5 0,-1 4 0,-3-1 0,3 1 0,-8 0 0,1 3 0,-6-2 0,-2 5 0,-1-2 0,0 3 0,0 0 0,-2-3 0,-1 0 0,-6-1 0,-1 1 0,-5 3 0,-2-3 0,-3 3 0,-4-7 0,3 3 0,-16 0 0,14-2 0,-37-4 0,25 1 0,-26-5 0,15 1 0,1 3 0,0-2 0,6 0 0,5 3 0,1-3 0,4 5 0,4-1 0,-3-3 0,7 3 0,-3-2 0,5 3 0,-1 0 0,0 0 0,-9-5 0,7 8 0,-6-7 0,4 10 0,3-2 0,-3 0 0,4-1 0,1-3 0,-1 0 0,0 0 0,0 3 0,-4-2 0,3 2 0,-3-3 0,4 0 0,1 3 0,-1-3 0,3 7 0,-2-7 0,6 4 0,-6-4 0,2-3 0,-3 2 0,1-2 0,-1 0 0,0 3 0,0-7 0,0 4 0,0-1 0,0-2 0,0 2 0,4 0 0,-7-2 0,5 2 0,-12-4 0,8 2 0,-5 2 0,8-2 0,-1 5 0,-4-6 0,3 6 0,-17-7 0,15 10 0,-14-7 0,7 8 0,0-4 0,-3 0 0,8 1 0,-3-1 0,3 1 0,1 2 0,3-1 0,2 2 0,3 1 0,-4-3 0,3 2 0,1-3 0,1 4 0,-2-3 0,1 2 0,-10-3 0,8 1 0,-4-1 0,3 0 0,2 4 0,1-3 0,-3 2 0,5-3 0,-1 1 0,2-1 0,-2 1 0,1-1 0,-5 0 0,6 1 0,-6-1 0,6 1 0,-3-1 0,4 1 0,0-1 0,-4 4 0,3-3 0,-3 3 0,-2-7 0,0 3 0,-1 0 0,3 1 0,1 6 0,1-6 0,-1 5 0,2-4 0,1 1 0,0 1 0,-1-3 0,1 2 0,0 1 0,-1 0 0,4 0 0,-3 3 0,3-6 0,-4 5 0,1-4 0,0 4 0,-1-2 0,4 6 0,0 0 0,3 4 0,0-1 0,0 0 0,3 0 0,-2 1 0,1 2 0,-2 2 0,3-1 0,-2 3 0,2-3 0,-3 1 0,3 2 0,-3-3 0,4 1 0,-4-2 0,0-2 0,0 2 0,0-2 0,0 3 0,0-4 0,0 0 0,0 1 0,0-1 0,0 0 0,0 0 0,0 0 0,0 1 0,2-1 0,-1-3 0,2 0 0</inkml:trace>
+</inkml:ink>
+</file>
+
+<file path=ppt/ink/ink2.xml><?xml version="1.0" encoding="utf-8"?>
+<inkml:ink xmlns:inkml="http://www.w3.org/2003/InkML">
+  <inkml:definitions>
+    <inkml:context xml:id="ctx0">
+      <inkml:inkSource xml:id="inkSrc0">
+        <inkml:traceFormat>
+          <inkml:channel name="X" type="integer" min="-2.14748E9" max="2.14748E9" units="cm"/>
+          <inkml:channel name="Y" type="integer" min="-2.14748E9" max="2.14748E9" units="cm"/>
+          <inkml:channel name="F" type="integer" max="32767" units="dev"/>
+        </inkml:traceFormat>
+        <inkml:channelProperties>
+          <inkml:channelProperty channel="X" name="resolution" value="1000" units="1/cm"/>
+          <inkml:channelProperty channel="Y" name="resolution" value="1000" units="1/cm"/>
+          <inkml:channelProperty channel="F" name="resolution" value="0" units="1/dev"/>
+        </inkml:channelProperties>
+      </inkml:inkSource>
+      <inkml:timestamp xml:id="ts0" timeString="2019-10-01T18:28:41.511"/>
+    </inkml:context>
+    <inkml:brush xml:id="br0">
+      <inkml:brushProperty name="width" value="0.05" units="cm"/>
+      <inkml:brushProperty name="height" value="0.05" units="cm"/>
+      <inkml:brushProperty name="color" value="#EEB3A6"/>
+      <inkml:brushProperty name="inkEffects" value="rosegold"/>
+      <inkml:brushProperty name="anchorX" value="-7182.77588"/>
+      <inkml:brushProperty name="anchorY" value="-10318.18262"/>
+      <inkml:brushProperty name="scaleFactor" value="0.5"/>
+    </inkml:brush>
+  </inkml:definitions>
+  <inkml:trace contextRef="#ctx0" brushRef="#br0">190 512 24575,'0'-10'0,"0"0"0,0-12 0,0-3 0,0-3 0,0-4 0,0 3 0,0 1 0,0 0 0,-3 5 0,2 5 0,-2 0 0,3 4 0,0 0 0,0 0 0,0 0 0,-3 0 0,2 4 0,-2-7 0,3 5 0,0-9 0,0 6 0,0-3 0,-3 4 0,2-4 0,-5 7 0,2-6 0,1 9 0,-3 2 0,2 3 0,1 9 0,0 1 0,-1 16 0,3-3 0,-3 7 0,1-4 0,-6 15 0,0-12 0,-4 17 0,5-15 0,-1 11 0,1-5 0,-1 4 0,1-5 0,3 0 0,-2-5 0,6 0 0,-6-6 0,6 1 0,-2-8 0,3 2 0,0-10 0,0 3 0,0-4 0,0 0 0,0 1 0,0-1 0,3-15 0,1-1 0,3-15 0,-2-3 0,-2-5 0,-3-7 0,5-24 0,-4 20 0,7-9 0,-7 21 0,2 4 0,-3 3 0,0 3 0,0 11 0,0 2 0,0 8 0,0 15 0,-3 7 0,-2 25 0,-8-5 0,2 21 0,2-19 0,0 18 0,4-20 0,-4 9 0,4-15 0,1-3 0,4-13 0,0-4 0,0-6 0,0-3 0,0-5 0,0-9 0,0-12 0,0-14 0,0-5 0,4-18 0,5 9 0,1-4 0,8 3 0,-4 8 0,0-4 0,-2 11 0,-5 11 0,1 5 0,-5 8 0,1 9 0,-4 6 0,0 34 0,0-10 0,0 27 0,0-22 0,0 15 0,0-8 0,0 4 0,0-2 0,0-17 0,0 5 0,0-16 0,0 0 0,0-6 0,0-3 0,0-5 0,-4-5 0,4-7 0,-3-11 0,3 6 0,0-6 0,-4 8 0,4 0 0,-3 3 0,3 2 0,0 2 0,0 1 0,0 0 0,0-1 0,-4-2 0,4 1 0,-3-1 0,3-1 0,0-4 0,0-1 0,0-3 0,0 4 0,0 0 0,0 0 0,0 0 0,3 0 0,-3 1 0,7-1 0,-7 3 0,3-2 0,-3 6 0,0-3 0,0 1 0,0 1 0,0-1 0,0 2 0,0 1 0,0 0 0,0-1 0,0 1 0,3 2 0,-2-1 0,2 1 0,-1 1 0,-1-3 0,5 3 0,-3-1 0,3 1 0,1 3 0,-1 0 0,0 0 0,0 0 0,0 0 0,1 0 0,-1 0 0,0 0 0,0 3 0,1-2 0,-1 2 0,4-3 0,-3 2 0,2-1 0,1 5 0,-3-5 0,2 2 0,-2-1 0,-1-1 0,4 2 0,-3 0 0,6-3 0,-6 3 0,2 0 0,-3-2 0,1 4 0,-1-4 0,4 2 0,-3-3 0,2 0 0,-3 2 0,1-1 0,-1 2 0,0 0 0,0-3 0,1 6 0,2-5 0,-2 4 0,6-4 0,-2 5 0,6-6 0,-2 7 0,3-7 0,-4 6 0,-4-5 0,6 5 0,-5-5 0,2 4 0,0-4 0,-2 2 0,2-3 0,1 3 0,-3-2 0,2 2 0,-6-1 0,2 2 0,1-1 0,0 3 0,1-2 0,-2 2 0,1 1 0,-3-1 0,6 1 0,-3 3 0,4-3 0,0 6 0,4-5 0,-7 5 0,10-1 0,-3 8 0,2-7 0,3 7 0,-8-13 0,3 4 0,-4-1 0,0-2 0,-1 2 0,1-4 0,8 6 0,-6-4 0,7 6 0,-6-6 0,-2 5 0,3-5 0,-4 5 0,0-5 0,-1 5 0,1-6 0,0 3 0,0 0 0,0-2 0,-1 2 0,1 0 0,0-3 0,4 4 0,3-1 0,-2-5 0,1 4 0,-6-8 0,-4 4 0,3-4 0,-3 2 0,1-3 0,2 3 0,-6-2 0,6 2 0,-6-3 0,6 0 0,-3 0 0,1 0 0,6 3 0,-9-2 0,9 2 0,-7-3 0,1 0 0,-2 0 0,-3 3 0,1-2 0,-1 2 0,0-3 0,0 2 0,3 2 0,2 2 0,-2-2 0,4 2 0,-6-2 0,3 2 0,-4 0 0,1 1 0,6-4 0,-2 3 0,7-2 0,-4 3 0,0-1 0,0-2 0,-1 2 0,-2-5 0,-2 5 0,-2-3 0,-1 1 0,0-1 0,-2-1 0,1 2 0,-1 2 0,5-2 0,2-2 0,2-2 0,1 3 0,0-2 0,0 5 0,0-5 0,-1 5 0,1-5 0,-3 2 0,-2 0 0,-2-2 0,-1 1 0,0 1 0,0-2 0,0 2 0,1-1 0,-1 2 0,0-1 0,-2 3 0,-2-3 0,-2 4 0,0-1 0,-2-3 0,-2 3 0,-6-6 0,0 3 0,-4 0 0,0-2 0,0 2 0,-4-3 0,-10 4 0,-2 1 0,-4 0 0,7 2 0,0-3 0,3 0 0,0 0 0,6-1 0,5-2 0,-1 5 0,0-5 0,0 2 0,3 0 0,2 0 0,2 1 0,1-2 0,0-2 0,-1 3 0,1 1 0,-4-1 0,3 3 0,-6-6 0,6 6 0,-6-6 0,2 6 0,1-5 0,-3 5 0,6-5 0,-3 5 0,0-2 0,0-1 0,-1 3 0,-2 1 0,6 0 0,-6 3 0,2-4 0,1 1 0,-3 0 0,6-1 0,-3 1 0,4-1 0,-1 0 0,-6 4 0,4-2 0,-11 6 0,8-7 0,-10 7 0,7-6 0,-3 6 0,5-3 0,2-1 0,-2 0 0,6-4 0,-6 3 0,6-2 0,-2 2 0,3-2 0,0-4 0,-1 3 0,1-3 0,-4 4 0,3-1 0,-3 0 0,-3 1 0,1 0 0,-6 0 0,0-3 0,4 2 0,-4 1 0,4-2 0,0 4 0,0-5 0,0 3 0,0-1 0,4 1 0,0-3 0,4 1 0,-1-4 0,4 5 0,-6-6 0,5 6 0,-6-3 0,4 1 0,-1 1 0,-3-1 0,3 2 0,-6-2 0,6 2 0,-6-3 0,6 4 0,-3-1 0,1-2 0,1 1 0,-1-1 0,-1-1 0,3 3 0,-3-6 0,0 6 0,3-5 0,-2 2 0,-1-3 0,3 3 0,-3-2 0,4 4 0,-1-4 0,-5 4 0,4-1 0,-5-1 0,7 0 0,0 0 0,-1-2 0,-2 4 0,2-1 0,-6 0 0,5 1 0,-5-4 0,6 4 0,-6-4 0,6 2 0,-3 0 0,4-3 0,-4 6 0,3-5 0,-6 2 0,6-3 0,-3 0 0,0 0 0,3 0 0,-2 0 0,2 0 0,1 0 0,0 0 0,-1 0 0,1 0 0,0 0 0,-1 0 0,1 0 0,0 0 0,-1 0 0,1 0 0,0 0 0,-1 0 0,1 0 0,0 0 0,-1 0 0,1 0 0,2-3 0,-1 3 0,1-3 0,1 0 0,-3 2 0,3-4 0,-4 4 0,1-5 0,0 6 0,2-6 0,-2 5 0,6-4 0,-6 1 0,3 1 0,-4-3 0,1 5 0,2-4 0,-1 1 0,1-2 0,1-1 0,-3 1 0,5 0 0,-4-1 0,4-2 0,-5 2 0,6-6 0,-3 5 0,0-1 0,2-1 0,-1-1 0,2-2 0,0-1 0,0 0 0,0 0 0,-3 0 0,2 0 0,-2-4 0,3 7 0,0-6 0,0 6 0,0-3 0,0-4 0,0 4 0,0-4 0,0 4 0,0-4 0,-3 3 0,2-3 0,-2 4 0,-1-3 0,3 2 0,-5-7 0,5 7 0,-6-9 0,6 9 0,-5-5 0,5 6 0,-5-4 0,2 3 0,-4-7 0,4 7 0,-2-7 0,1 4 0,1-1 0,1-3 0,-1 3 0,4 0 0,-4-2 0,1 2 0,2-4 0,-3 0 0,4 4 0,0-2 0,0 6 0,0-3 0,0 4 0,0 0 0,0 4 0,0-3 0,0-1 0,0 0 0,0-3 0,0 3 0,0 3 0,-3-2 0,3 6 0,-4-2 0,4 2 0,0-2 0,0 1 0,0-1 0,0 2 0,0 1 0,0-4 0,0-4 0,0-1 0,0-7 0,4 7 0,-1-3 0,1 5 0,5 2 0,-4-2 0,2 5 0,-1-4 0,-3 7 0,1-3 0,1 7 0,-1-4 0,2 4 0,0-2 0,0 0 0,1 3 0,-1-3 0,0 3 0,0 0 0,1 0 0,-1 0 0,0 0 0,0 3 0,0-3 0,-2 6 0,2-5 0,-6 4 0,6-4 0,-6 4 0,6-1 0,-3 2 0,4 0 0,-1-2 0,-3 1 0,3-1 0,-3 2 0,7-3 0,-3 3 0,3-3 0,-4 4 0,3-1 0,-1 0 0,5 1 0,-3 0 0,4-3 0,-4 2 0,3-3 0,-6 1 0,3 2 0,-1-3 0,2 1 0,-1 2 0,3-2 0,-2 2 0,2 1 0,1-3 0,0 2 0,0-2 0,-4 0 0,0 2 0,-1-3 0,-1 4 0,1-4 0,1 3 0,0-2 0,4 3 0,-4 0 0,3-1 0,-2 4 0,11-2 0,-6 2 0,6-2 0,-8-1 0,0-3 0,0 2 0,0-2 0,3 3 0,-2 0 0,-1 0 0,-1 0 0,4 2 0,-2-4 0,5 4 0,-2-2 0,-7 1 0,6 6 0,2-7 0,-3 4 0,11 0 0,-9 0 0,1 4 0,7-3 0,-10 1 0,10-5 0,-7 6 0,0-6 0,-1 3 0,-1-1 0,-2-2 0,3 6 0,-4-7 0,-4 3 0,3-3 0,-6-1 0,6 1 0,-6-1 0,6 1 0,-6-1 0,2-2 0,0-2 0,-2 1 0,6-2 0,-6 4 0,3-4 0,-1 2 0,-2 0 0,3-3 0,0 3 0,0 0 0,1-2 0,2 2 0,-6 0 0,2-3 0,-3 3 0,1 0 0,-1 0 0,0 1 0,0 1 0,-2-1 0,-1 2 0,-3 0 0,0 1 0,0-1 0,0 0 0,0 0 0,0 0 0,-3 1 0,-4-1 0,-4-2 0,-3 2 0,1-2 0,-1 3 0,-4 0 0,-1 0 0,-8 1 0,3 0 0,-8 0 0,3 3 0,-9-1 0,8 1 0,-7-2 0,9-1 0,-1-4 0,2 3 0,8-3 0,1 0 0,8 2 0,-3-5 0,5 4 0,-5-4 0,6 2 0,-2 0 0,2-3 0,-2 3 0,1 0 0,-1-2 0,-1 4 0,3-1 0,-6 3 0,6-4 0,-3 3 0,4-2 0,-4 2 0,3 1 0,-6-4 0,5 3 0,-1-3 0,-1 4 0,-3-1 0,-2 1 0,2-1 0,0 1 0,6-1 0,-6 1 0,5 0 0,-5-1 0,6 1 0,-6-1 0,3-2 0,-1 2 0,-2-2 0,6 2 0,-6 1 0,6-4 0,-3 3 0,4-2 0,-1 2 0,1-3 0,0 3 0,-1-5 0,4 4 0,-3-4 0,3 4 0,-4-1 0,1 2 0,0-3 0,2 3 0,-2-5 0,3 4 0,-1-1 0,-1-1 0,1 3 0,-2-6 0,2 6 0,-1-5 0,1 4 0,-2-4 0,0 4 0,-1-4 0,1 5 0,0-6 0,-1 3 0,4 0 0,-3-2 0,-1 1 0,0-2 0,-3 0 0,4 0 0,0 0 0,-1 0 0,1 0 0,0 0 0,2-6 0,-1 2 0,1-9 0,-3 6 0,0-6 0,4 5 0,-3-5 0,5 3 0,-5-4 0,2 0 0,0-4 0,-2 3 0,5-3 0,-5 5 0,2-1 0,0 0 0,-3-4 0,7 3 0,-4 1 0,4 1 0,-3 2 0,2-3 0,-2 0 0,0 4 0,3-3 0,-3 6 0,3-3 0,0 3 0,0-2 0,-3 2 0,2-3 0,-1 4 0,2-1 0,-3 1 0,2-4 0,-2 3 0,0-6 0,2 6 0,-2-9 0,3 8 0,0-4 0,0 2 0,-3-1 0,2-2 0,-2-1 0,3 0 0,0 0 0,0-4 0,0 3 0,0-7 0,-3 7 0,2-2 0,-2 3 0,3 0 0,0-4 0,0 6 0,0-5 0,0 7 0,0-1 0,-3 2 0,3 2 0,-6-2 0,5 2 0,-5 0 0,5 1 0,-1 3 0,4-1 0,2 1 0,2 0 0,0 3 0,1-6 0,-1 5 0,0-1 0,0 2 0,0 0 0,1 0 0,2 3 0,2-3 0,-1 6 0,3-2 0,-2-1 0,-1 3 0,3-2 0,-6 2 0,3 1 0,-1-4 0,-2 3 0,3-3 0,-1 4 0,-1-1 0,5 1 0,-6-1 0,2-2 0,1 2 0,0-2 0,1 2 0,-2-2 0,1 2 0,-3-2 0,3 2 0,5 4 0,-6-3 0,10 3 0,-12-4 0,3 0 0,-4 1 0,0-1 0,0 0 0,4 1 0,-3-4 0,6 3 0,-6-2 0,6 3 0,-6-4 0,6 3 0,-3-2 0,4 3 0,0 0 0,-4 0 0,3-1 0,-5 1 0,1-1 0,1-2 0,-3 1 0,2-4 0,-2 5 0,-1-6 0,0 3 0,0 0 0,1-3 0,2 6 0,-2-2 0,2-1 0,-3 3 0,0-6 0,0 6 0,0-6 0,-2 6 0,1-3 0,-4 4 0,2-1 0,-3 0 0,0 0 0,0 1 0,0-1 0,0 0 0,-3-2 0,0 1 0,-7-1 0,3-1 0,-3 3 0,4-2 0,-4-1 0,3 3 0,-3-3 0,4 3 0,-4 1 0,3-4 0,-6 4 0,6-7 0,-3 6 0,4-2 0,-4-1 0,3 3 0,-6-3 0,2 4 0,-3 0 0,1 0 0,2-1 0,-2 1 0,2 0 0,-2 0 0,-1 0 0,3-1 0,-2-2 0,2 2 0,1-3 0,0 4 0,4-4 0,0 3 0,-4-5 0,3 1 0,-3-2 0,4 0 0,-1 0 0,1 0 0,0 0 0,-1 0 0,1 0 0,3-2 0,-3-2 0,5-2 0,-2-1 0,0-2 0,0 4 0,-4-7 0,0 8 0,0-9 0,1 2 0,-1-3 0,3 4 0,-2-3 0,5 5 0,-5-5 0,5 6 0,-2-6 0,3 6 0,0-6 0,0 6 0,0-6 0,0 6 0,0-6 0,-3 2 0,2 0 0,-2-2 0,3 3 0,0-1 0,0-2 0,0 3 0,0-1 0,0 2 0,0 2 0,0 1 0,0 0 0,3 2 0,0 1 0,1 6 0,1 0 0,-1 4 0,2-1 0,-3 0 0,3 0 0,-3 1 0,3 2 0,1-5 0,-1 4 0,0-4 0,0 2 0,1 0 0,-1 0 0,-3 1 0,3-4 0,-5 3 0,4-3 0,-1 0 0,2 3 0,0-5 0,0 4 0,1-1 0,-1-1 0,0 0 0,-3 0 0,3-3 0,-5 6 0,1-3 0,-2 4 0,0-1 0,0 0 0,0 0 0,0 1 0,-2-1 0,-2-3 0,1 3 0,-3-5 0,5 4 0,-4-4 0,1 2 0,1-1 0,0-1 0,3 2 0</inkml:trace>
+</inkml:ink>
 </file>
 
 <file path=ppt/slideLayouts/slideLayout1.xml><?xml version="1.0" encoding="utf-8"?>
@@ -5687,14 +5852,19 @@
             <p:ph type="ctrTitle"/>
           </p:nvPr>
         </p:nvSpPr>
-        <p:spPr/>
+        <p:spPr>
+          <a:xfrm>
+            <a:off x="320842" y="1449147"/>
+            <a:ext cx="11061159" cy="2971051"/>
+          </a:xfrm>
+        </p:spPr>
         <p:txBody>
           <a:bodyPr/>
           <a:lstStyle/>
           <a:p>
             <a:r>
               <a:rPr lang="es-MX" dirty="0"/>
-              <a:t>Proyecto módulo 1</a:t>
+              <a:t>Optimización de viajes de Cemex</a:t>
             </a:r>
           </a:p>
         </p:txBody>
@@ -5750,6 +5920,92 @@
     <p:extLst>
       <p:ext uri="{BB962C8B-B14F-4D97-AF65-F5344CB8AC3E}">
         <p14:creationId xmlns:p14="http://schemas.microsoft.com/office/powerpoint/2010/main" val="4046241183"/>
+      </p:ext>
+    </p:extLst>
+  </p:cSld>
+  <p:clrMapOvr>
+    <a:masterClrMapping/>
+  </p:clrMapOvr>
+</p:sld>
+</file>
+
+<file path=ppt/slides/slide10.xml><?xml version="1.0" encoding="utf-8"?>
+<p:sld xmlns:a="http://schemas.openxmlformats.org/drawingml/2006/main" xmlns:r="http://schemas.openxmlformats.org/officeDocument/2006/relationships" xmlns:p="http://schemas.openxmlformats.org/presentationml/2006/main">
+  <p:cSld>
+    <p:spTree>
+      <p:nvGrpSpPr>
+        <p:cNvPr id="1" name=""/>
+        <p:cNvGrpSpPr/>
+        <p:nvPr/>
+      </p:nvGrpSpPr>
+      <p:grpSpPr>
+        <a:xfrm>
+          <a:off x="0" y="0"/>
+          <a:ext cx="0" cy="0"/>
+          <a:chOff x="0" y="0"/>
+          <a:chExt cx="0" cy="0"/>
+        </a:xfrm>
+      </p:grpSpPr>
+      <p:sp>
+        <p:nvSpPr>
+          <p:cNvPr id="2" name="Título 1">
+            <a:extLst>
+              <a:ext uri="{FF2B5EF4-FFF2-40B4-BE49-F238E27FC236}">
+                <a16:creationId xmlns:a16="http://schemas.microsoft.com/office/drawing/2014/main" id="{EDDC4AA5-55D4-E14E-BDC8-DFE6ED4E68B3}"/>
+              </a:ext>
+            </a:extLst>
+          </p:cNvPr>
+          <p:cNvSpPr>
+            <a:spLocks noGrp="1"/>
+          </p:cNvSpPr>
+          <p:nvPr>
+            <p:ph type="title"/>
+          </p:nvPr>
+        </p:nvSpPr>
+        <p:spPr/>
+        <p:txBody>
+          <a:bodyPr/>
+          <a:lstStyle/>
+          <a:p>
+            <a:r>
+              <a:rPr lang="es-MX" dirty="0"/>
+              <a:t>Referencias</a:t>
+            </a:r>
+          </a:p>
+        </p:txBody>
+      </p:sp>
+      <p:sp>
+        <p:nvSpPr>
+          <p:cNvPr id="3" name="Marcador de contenido 2">
+            <a:extLst>
+              <a:ext uri="{FF2B5EF4-FFF2-40B4-BE49-F238E27FC236}">
+                <a16:creationId xmlns:a16="http://schemas.microsoft.com/office/drawing/2014/main" id="{D57F67C5-766E-4D4C-949C-2D2C05B64301}"/>
+              </a:ext>
+            </a:extLst>
+          </p:cNvPr>
+          <p:cNvSpPr>
+            <a:spLocks noGrp="1"/>
+          </p:cNvSpPr>
+          <p:nvPr>
+            <p:ph idx="1"/>
+          </p:nvPr>
+        </p:nvSpPr>
+        <p:spPr/>
+        <p:txBody>
+          <a:bodyPr/>
+          <a:lstStyle/>
+          <a:p>
+            <a:r>
+              <a:rPr lang="es-MX" dirty="0"/>
+              <a:t>Clase5_ProgramacionLineal, Created with Jupyter by Cristian Camilo Zapata Zuluaga.</a:t>
+            </a:r>
+          </a:p>
+        </p:txBody>
+      </p:sp>
+    </p:spTree>
+    <p:extLst>
+      <p:ext uri="{BB962C8B-B14F-4D97-AF65-F5344CB8AC3E}">
+        <p14:creationId xmlns:p14="http://schemas.microsoft.com/office/powerpoint/2010/main" val="1518228625"/>
       </p:ext>
     </p:extLst>
   </p:cSld>
@@ -5781,7 +6037,7 @@
           <p:cNvPr id="2" name="Título 1">
             <a:extLst>
               <a:ext uri="{FF2B5EF4-FFF2-40B4-BE49-F238E27FC236}">
-                <a16:creationId xmlns:a16="http://schemas.microsoft.com/office/drawing/2014/main" id="{48169D17-B740-4E4A-8507-3DDF17BEDFA8}"/>
+                <a16:creationId xmlns:a16="http://schemas.microsoft.com/office/drawing/2014/main" id="{2E58EC98-54FB-7840-A8A3-0152599E6834}"/>
               </a:ext>
             </a:extLst>
           </p:cNvPr>
@@ -5799,7 +6055,7 @@
           <a:p>
             <a:r>
               <a:rPr lang="es-MX" dirty="0"/>
-              <a:t>Objetivos</a:t>
+              <a:t>Objetivo general</a:t>
             </a:r>
           </a:p>
         </p:txBody>
@@ -5809,7 +6065,7 @@
           <p:cNvPr id="3" name="Marcador de contenido 2">
             <a:extLst>
               <a:ext uri="{FF2B5EF4-FFF2-40B4-BE49-F238E27FC236}">
-                <a16:creationId xmlns:a16="http://schemas.microsoft.com/office/drawing/2014/main" id="{74D8D9A4-8435-1C4C-A0CD-4BB10437790E}"/>
+                <a16:creationId xmlns:a16="http://schemas.microsoft.com/office/drawing/2014/main" id="{17EE2443-48DD-1046-BC39-6B9D974619E1}"/>
               </a:ext>
             </a:extLst>
           </p:cNvPr>
@@ -5827,23 +6083,7 @@
           <a:p>
             <a:r>
               <a:rPr lang="es-MX" dirty="0"/>
-              <a:t>Encontrar la mayor ganancia de los viajes entre los camiones 1y 2</a:t>
-            </a:r>
-          </a:p>
-          <a:p>
-            <a:r>
-              <a:rPr lang="es-MX" dirty="0"/>
-              <a:t>Encontrar el numero de viajes que tienen que tener el camion 1 y el camion 2 de para poder obtener esa maxima ganancia.</a:t>
-            </a:r>
-          </a:p>
-          <a:p>
-            <a:r>
-              <a:rPr lang="es-MX" dirty="0"/>
-              <a:t>Usar las librerías vistas hasta ahora en el curso con el propósito de resolver un problema ficticio relacionado con la Ingeniería civil. </a:t>
-            </a:r>
-            <a:r>
-              <a:rPr lang="es-MX"/>
-              <a:t>Las librerías que usamos fueron: Numpy y Matplotlib y Sympy.</a:t>
+              <a:t>Determinar los números de viajes de 2 camiones de cemex (ficticios) necesarios de cada uno para obtener la mayor ganancia.</a:t>
             </a:r>
           </a:p>
         </p:txBody>
@@ -5851,7 +6091,7 @@
     </p:spTree>
     <p:extLst>
       <p:ext uri="{BB962C8B-B14F-4D97-AF65-F5344CB8AC3E}">
-        <p14:creationId xmlns:p14="http://schemas.microsoft.com/office/powerpoint/2010/main" val="569100806"/>
+        <p14:creationId xmlns:p14="http://schemas.microsoft.com/office/powerpoint/2010/main" val="2712210646"/>
       </p:ext>
     </p:extLst>
   </p:cSld>
@@ -5883,6 +6123,104 @@
           <p:cNvPr id="2" name="Título 1">
             <a:extLst>
               <a:ext uri="{FF2B5EF4-FFF2-40B4-BE49-F238E27FC236}">
+                <a16:creationId xmlns:a16="http://schemas.microsoft.com/office/drawing/2014/main" id="{48169D17-B740-4E4A-8507-3DDF17BEDFA8}"/>
+              </a:ext>
+            </a:extLst>
+          </p:cNvPr>
+          <p:cNvSpPr>
+            <a:spLocks noGrp="1"/>
+          </p:cNvSpPr>
+          <p:nvPr>
+            <p:ph type="title"/>
+          </p:nvPr>
+        </p:nvSpPr>
+        <p:spPr/>
+        <p:txBody>
+          <a:bodyPr/>
+          <a:lstStyle/>
+          <a:p>
+            <a:r>
+              <a:rPr lang="es-MX" dirty="0"/>
+              <a:t>Objetivos específicos</a:t>
+            </a:r>
+          </a:p>
+        </p:txBody>
+      </p:sp>
+      <p:sp>
+        <p:nvSpPr>
+          <p:cNvPr id="3" name="Marcador de contenido 2">
+            <a:extLst>
+              <a:ext uri="{FF2B5EF4-FFF2-40B4-BE49-F238E27FC236}">
+                <a16:creationId xmlns:a16="http://schemas.microsoft.com/office/drawing/2014/main" id="{74D8D9A4-8435-1C4C-A0CD-4BB10437790E}"/>
+              </a:ext>
+            </a:extLst>
+          </p:cNvPr>
+          <p:cNvSpPr>
+            <a:spLocks noGrp="1"/>
+          </p:cNvSpPr>
+          <p:nvPr>
+            <p:ph idx="1"/>
+          </p:nvPr>
+        </p:nvSpPr>
+        <p:spPr/>
+        <p:txBody>
+          <a:bodyPr/>
+          <a:lstStyle/>
+          <a:p>
+            <a:r>
+              <a:rPr lang="es-MX" dirty="0"/>
+              <a:t>Encontrar la mayor ganancia de los viajes entre los camiones 1y 2</a:t>
+            </a:r>
+          </a:p>
+          <a:p>
+            <a:r>
+              <a:rPr lang="es-MX" dirty="0"/>
+              <a:t>Encontrar el numero de viajes que tienen que tener el camion 1 y el camion 2 de para poder obtener esa maxima ganancia.</a:t>
+            </a:r>
+          </a:p>
+          <a:p>
+            <a:r>
+              <a:rPr lang="es-MX" dirty="0"/>
+              <a:t>Usar las librerías vistas hasta ahora en el curso con el propósito de resolver un problema ficticio relacionado con la Ingeniería civil. Las librerías que usamos fueron: Numpy y Matplotlib y Sympy.</a:t>
+            </a:r>
+          </a:p>
+        </p:txBody>
+      </p:sp>
+    </p:spTree>
+    <p:extLst>
+      <p:ext uri="{BB962C8B-B14F-4D97-AF65-F5344CB8AC3E}">
+        <p14:creationId xmlns:p14="http://schemas.microsoft.com/office/powerpoint/2010/main" val="569100806"/>
+      </p:ext>
+    </p:extLst>
+  </p:cSld>
+  <p:clrMapOvr>
+    <a:masterClrMapping/>
+  </p:clrMapOvr>
+</p:sld>
+</file>
+
+<file path=ppt/slides/slide4.xml><?xml version="1.0" encoding="utf-8"?>
+<p:sld xmlns:a="http://schemas.openxmlformats.org/drawingml/2006/main" xmlns:r="http://schemas.openxmlformats.org/officeDocument/2006/relationships" xmlns:p="http://schemas.openxmlformats.org/presentationml/2006/main">
+  <p:cSld>
+    <p:spTree>
+      <p:nvGrpSpPr>
+        <p:cNvPr id="1" name=""/>
+        <p:cNvGrpSpPr/>
+        <p:nvPr/>
+      </p:nvGrpSpPr>
+      <p:grpSpPr>
+        <a:xfrm>
+          <a:off x="0" y="0"/>
+          <a:ext cx="0" cy="0"/>
+          <a:chOff x="0" y="0"/>
+          <a:chExt cx="0" cy="0"/>
+        </a:xfrm>
+      </p:grpSpPr>
+      <p:sp>
+        <p:nvSpPr>
+          <p:cNvPr id="2" name="Título 1">
+            <a:extLst>
+              <a:ext uri="{FF2B5EF4-FFF2-40B4-BE49-F238E27FC236}">
                 <a16:creationId xmlns:a16="http://schemas.microsoft.com/office/drawing/2014/main" id="{E2F9D803-D865-7642-89D0-41C9E62B826D}"/>
               </a:ext>
             </a:extLst>
@@ -5901,7 +6239,7 @@
           <a:p>
             <a:r>
               <a:rPr lang="es-MX" dirty="0"/>
-              <a:t>Nuestro enunciado</a:t>
+              <a:t>Planteamiento del problema.</a:t>
             </a:r>
           </a:p>
         </p:txBody>
@@ -5947,7 +6285,7 @@
 </p:sld>
 </file>
 
-<file path=ppt/slides/slide4.xml><?xml version="1.0" encoding="utf-8"?>
+<file path=ppt/slides/slide5.xml><?xml version="1.0" encoding="utf-8"?>
 <p:sld xmlns:a="http://schemas.openxmlformats.org/drawingml/2006/main" xmlns:r="http://schemas.openxmlformats.org/officeDocument/2006/relationships" xmlns:p="http://schemas.openxmlformats.org/presentationml/2006/main">
   <p:cSld>
     <p:bg>
@@ -6451,7 +6789,7 @@
 </p:sld>
 </file>
 
-<file path=ppt/slides/slide5.xml><?xml version="1.0" encoding="utf-8"?>
+<file path=ppt/slides/slide6.xml><?xml version="1.0" encoding="utf-8"?>
 <p:sld xmlns:a="http://schemas.openxmlformats.org/drawingml/2006/main" xmlns:r="http://schemas.openxmlformats.org/officeDocument/2006/relationships" xmlns:p="http://schemas.openxmlformats.org/presentationml/2006/main">
   <p:cSld>
     <p:spTree>
@@ -6538,7 +6876,7 @@
 </p:sld>
 </file>
 
-<file path=ppt/slides/slide6.xml><?xml version="1.0" encoding="utf-8"?>
+<file path=ppt/slides/slide7.xml><?xml version="1.0" encoding="utf-8"?>
 <p:sld xmlns:a="http://schemas.openxmlformats.org/drawingml/2006/main" xmlns:r="http://schemas.openxmlformats.org/officeDocument/2006/relationships" xmlns:p="http://schemas.openxmlformats.org/presentationml/2006/main">
   <p:cSld>
     <p:bg>
@@ -7042,7 +7380,7 @@
 </p:sld>
 </file>
 
-<file path=ppt/slides/slide7.xml><?xml version="1.0" encoding="utf-8"?>
+<file path=ppt/slides/slide8.xml><?xml version="1.0" encoding="utf-8"?>
 <p:sld xmlns:a="http://schemas.openxmlformats.org/drawingml/2006/main" xmlns:r="http://schemas.openxmlformats.org/officeDocument/2006/relationships" xmlns:p="http://schemas.openxmlformats.org/presentationml/2006/main">
   <p:cSld>
     <p:bg>
@@ -7533,6 +7871,108 @@
           <a:effectLst/>
         </p:spPr>
       </p:pic>
+      <mc:AlternateContent xmlns:mc="http://schemas.openxmlformats.org/markup-compatibility/2006">
+        <mc:Choice xmlns:p14="http://schemas.microsoft.com/office/powerpoint/2010/main" xmlns:aink="http://schemas.microsoft.com/office/drawing/2016/ink" Requires="p14 aink">
+          <p:contentPart p14:bwMode="auto" r:id="rId4">
+            <p14:nvContentPartPr>
+              <p14:cNvPr id="10" name="Entrada de lápiz 9">
+                <a:extLst>
+                  <a:ext uri="{FF2B5EF4-FFF2-40B4-BE49-F238E27FC236}">
+                    <a16:creationId xmlns:a16="http://schemas.microsoft.com/office/drawing/2014/main" id="{46FC83B2-4691-264E-9125-E910D896AE78}"/>
+                  </a:ext>
+                </a:extLst>
+              </p14:cNvPr>
+              <p14:cNvContentPartPr/>
+              <p14:nvPr/>
+            </p14:nvContentPartPr>
+            <p14:xfrm>
+              <a:off x="1925486" y="3911109"/>
+              <a:ext cx="735480" cy="558720"/>
+            </p14:xfrm>
+          </p:contentPart>
+        </mc:Choice>
+        <mc:Fallback>
+          <p:pic>
+            <p:nvPicPr>
+              <p:cNvPr id="10" name="Entrada de lápiz 9">
+                <a:extLst>
+                  <a:ext uri="{FF2B5EF4-FFF2-40B4-BE49-F238E27FC236}">
+                    <a16:creationId xmlns:a16="http://schemas.microsoft.com/office/drawing/2014/main" id="{46FC83B2-4691-264E-9125-E910D896AE78}"/>
+                  </a:ext>
+                </a:extLst>
+              </p:cNvPr>
+              <p:cNvPicPr/>
+              <p:nvPr/>
+            </p:nvPicPr>
+            <p:blipFill>
+              <a:blip r:embed="rId5"/>
+              <a:stretch>
+                <a:fillRect/>
+              </a:stretch>
+            </p:blipFill>
+            <p:spPr>
+              <a:xfrm>
+                <a:off x="1916846" y="3902109"/>
+                <a:ext cx="753120" cy="576360"/>
+              </a:xfrm>
+              <a:prstGeom prst="rect">
+                <a:avLst/>
+              </a:prstGeom>
+            </p:spPr>
+          </p:pic>
+        </mc:Fallback>
+      </mc:AlternateContent>
+      <mc:AlternateContent xmlns:mc="http://schemas.openxmlformats.org/markup-compatibility/2006">
+        <mc:Choice xmlns:p14="http://schemas.microsoft.com/office/powerpoint/2010/main" xmlns:aink="http://schemas.microsoft.com/office/drawing/2016/ink" Requires="p14 aink">
+          <p:contentPart p14:bwMode="auto" r:id="rId6">
+            <p14:nvContentPartPr>
+              <p14:cNvPr id="11" name="Entrada de lápiz 10">
+                <a:extLst>
+                  <a:ext uri="{FF2B5EF4-FFF2-40B4-BE49-F238E27FC236}">
+                    <a16:creationId xmlns:a16="http://schemas.microsoft.com/office/drawing/2014/main" id="{B453EC25-0EE6-C341-947F-7E4AF92598AD}"/>
+                  </a:ext>
+                </a:extLst>
+              </p14:cNvPr>
+              <p14:cNvContentPartPr/>
+              <p14:nvPr/>
+            </p14:nvContentPartPr>
+            <p14:xfrm>
+              <a:off x="1934126" y="3904629"/>
+              <a:ext cx="688320" cy="545400"/>
+            </p14:xfrm>
+          </p:contentPart>
+        </mc:Choice>
+        <mc:Fallback>
+          <p:pic>
+            <p:nvPicPr>
+              <p:cNvPr id="11" name="Entrada de lápiz 10">
+                <a:extLst>
+                  <a:ext uri="{FF2B5EF4-FFF2-40B4-BE49-F238E27FC236}">
+                    <a16:creationId xmlns:a16="http://schemas.microsoft.com/office/drawing/2014/main" id="{B453EC25-0EE6-C341-947F-7E4AF92598AD}"/>
+                  </a:ext>
+                </a:extLst>
+              </p:cNvPr>
+              <p:cNvPicPr/>
+              <p:nvPr/>
+            </p:nvPicPr>
+            <p:blipFill>
+              <a:blip r:embed="rId7"/>
+              <a:stretch>
+                <a:fillRect/>
+              </a:stretch>
+            </p:blipFill>
+            <p:spPr>
+              <a:xfrm>
+                <a:off x="1925486" y="3895989"/>
+                <a:ext cx="705960" cy="563040"/>
+              </a:xfrm>
+              <a:prstGeom prst="rect">
+                <a:avLst/>
+              </a:prstGeom>
+            </p:spPr>
+          </p:pic>
+        </mc:Fallback>
+      </mc:AlternateContent>
     </p:spTree>
     <p:extLst>
       <p:ext uri="{BB962C8B-B14F-4D97-AF65-F5344CB8AC3E}">
@@ -7546,7 +7986,7 @@
 </p:sld>
 </file>
 
-<file path=ppt/slides/slide8.xml><?xml version="1.0" encoding="utf-8"?>
+<file path=ppt/slides/slide9.xml><?xml version="1.0" encoding="utf-8"?>
 <p:sld xmlns:a="http://schemas.openxmlformats.org/drawingml/2006/main" xmlns:r="http://schemas.openxmlformats.org/officeDocument/2006/relationships" xmlns:p="http://schemas.openxmlformats.org/presentationml/2006/main">
   <p:cSld>
     <p:spTree>
@@ -7614,10 +8054,13 @@
           <a:p>
             <a:r>
               <a:rPr lang="es-MX" dirty="0"/>
-              <a:t>En conclusion con los problemas de optimizacion que hicimos y la grafica podemos ver que la ganancia máxima es de 22,940,000 $ en 62 viajes del camion 1 y 62 viajes del camion 2,</a:t>
-            </a:r>
-          </a:p>
-          <a:p>
+              <a:t>En conclusión con los problemas de optimización que hicimos y la gráfica podemos ver que en 62 viajes del camion 1 y 62 viajes del camion 2, la ganancia máxima es de $22,940,000.00</a:t>
+            </a:r>
+          </a:p>
+          <a:p>
+            <a:pPr marL="0" indent="0">
+              <a:buNone/>
+            </a:pPr>
             <a:endParaRPr lang="es-MX" dirty="0"/>
           </a:p>
         </p:txBody>
